--- a/project/thornton-clark-popcorn.pptx
+++ b/project/thornton-clark-popcorn.pptx
@@ -7,8 +7,13 @@
   <p:sldIdLst>
     <p:sldId id="256" r:id="rId2"/>
     <p:sldId id="259" r:id="rId3"/>
-    <p:sldId id="258" r:id="rId4"/>
-    <p:sldId id="257" r:id="rId5"/>
+    <p:sldId id="262" r:id="rId4"/>
+    <p:sldId id="263" r:id="rId5"/>
+    <p:sldId id="258" r:id="rId6"/>
+    <p:sldId id="257" r:id="rId7"/>
+    <p:sldId id="264" r:id="rId8"/>
+    <p:sldId id="261" r:id="rId9"/>
+    <p:sldId id="260" r:id="rId10"/>
   </p:sldIdLst>
   <p:sldSz cx="9144000" cy="6858000" type="screen4x3"/>
   <p:notesSz cx="6858000" cy="9144000"/>
@@ -291,6 +296,7 @@
           <a:p>
             <a:fld id="{50C0A67D-3799-6D49-B3EF-E582EBC7730D}" type="datetimeFigureOut">
               <a:rPr lang="en-US" smtClean="0"/>
+              <a:pPr/>
               <a:t>4/25/16</a:t>
             </a:fld>
             <a:endParaRPr lang="en-US"/>
@@ -333,6 +339,7 @@
           <a:p>
             <a:fld id="{D7A01EC1-D927-C54B-A41A-F8A454A1E19E}" type="slidenum">
               <a:rPr lang="en-US" smtClean="0"/>
+              <a:pPr/>
               <a:t>‹#›</a:t>
             </a:fld>
             <a:endParaRPr lang="en-US"/>
@@ -456,6 +463,7 @@
           <a:p>
             <a:fld id="{50C0A67D-3799-6D49-B3EF-E582EBC7730D}" type="datetimeFigureOut">
               <a:rPr lang="en-US" smtClean="0"/>
+              <a:pPr/>
               <a:t>4/25/16</a:t>
             </a:fld>
             <a:endParaRPr lang="en-US"/>
@@ -498,6 +506,7 @@
           <a:p>
             <a:fld id="{D7A01EC1-D927-C54B-A41A-F8A454A1E19E}" type="slidenum">
               <a:rPr lang="en-US" smtClean="0"/>
+              <a:pPr/>
               <a:t>‹#›</a:t>
             </a:fld>
             <a:endParaRPr lang="en-US"/>
@@ -631,6 +640,7 @@
           <a:p>
             <a:fld id="{50C0A67D-3799-6D49-B3EF-E582EBC7730D}" type="datetimeFigureOut">
               <a:rPr lang="en-US" smtClean="0"/>
+              <a:pPr/>
               <a:t>4/25/16</a:t>
             </a:fld>
             <a:endParaRPr lang="en-US"/>
@@ -673,6 +683,7 @@
           <a:p>
             <a:fld id="{D7A01EC1-D927-C54B-A41A-F8A454A1E19E}" type="slidenum">
               <a:rPr lang="en-US" smtClean="0"/>
+              <a:pPr/>
               <a:t>‹#›</a:t>
             </a:fld>
             <a:endParaRPr lang="en-US"/>
@@ -796,6 +807,7 @@
           <a:p>
             <a:fld id="{50C0A67D-3799-6D49-B3EF-E582EBC7730D}" type="datetimeFigureOut">
               <a:rPr lang="en-US" smtClean="0"/>
+              <a:pPr/>
               <a:t>4/25/16</a:t>
             </a:fld>
             <a:endParaRPr lang="en-US"/>
@@ -838,6 +850,7 @@
           <a:p>
             <a:fld id="{D7A01EC1-D927-C54B-A41A-F8A454A1E19E}" type="slidenum">
               <a:rPr lang="en-US" smtClean="0"/>
+              <a:pPr/>
               <a:t>‹#›</a:t>
             </a:fld>
             <a:endParaRPr lang="en-US"/>
@@ -1037,6 +1050,7 @@
           <a:p>
             <a:fld id="{50C0A67D-3799-6D49-B3EF-E582EBC7730D}" type="datetimeFigureOut">
               <a:rPr lang="en-US" smtClean="0"/>
+              <a:pPr/>
               <a:t>4/25/16</a:t>
             </a:fld>
             <a:endParaRPr lang="en-US"/>
@@ -1079,6 +1093,7 @@
           <a:p>
             <a:fld id="{D7A01EC1-D927-C54B-A41A-F8A454A1E19E}" type="slidenum">
               <a:rPr lang="en-US" smtClean="0"/>
+              <a:pPr/>
               <a:t>‹#›</a:t>
             </a:fld>
             <a:endParaRPr lang="en-US"/>
@@ -1320,6 +1335,7 @@
           <a:p>
             <a:fld id="{50C0A67D-3799-6D49-B3EF-E582EBC7730D}" type="datetimeFigureOut">
               <a:rPr lang="en-US" smtClean="0"/>
+              <a:pPr/>
               <a:t>4/25/16</a:t>
             </a:fld>
             <a:endParaRPr lang="en-US"/>
@@ -1362,6 +1378,7 @@
           <a:p>
             <a:fld id="{D7A01EC1-D927-C54B-A41A-F8A454A1E19E}" type="slidenum">
               <a:rPr lang="en-US" smtClean="0"/>
+              <a:pPr/>
               <a:t>‹#›</a:t>
             </a:fld>
             <a:endParaRPr lang="en-US"/>
@@ -1737,6 +1754,7 @@
           <a:p>
             <a:fld id="{50C0A67D-3799-6D49-B3EF-E582EBC7730D}" type="datetimeFigureOut">
               <a:rPr lang="en-US" smtClean="0"/>
+              <a:pPr/>
               <a:t>4/25/16</a:t>
             </a:fld>
             <a:endParaRPr lang="en-US"/>
@@ -1779,6 +1797,7 @@
           <a:p>
             <a:fld id="{D7A01EC1-D927-C54B-A41A-F8A454A1E19E}" type="slidenum">
               <a:rPr lang="en-US" smtClean="0"/>
+              <a:pPr/>
               <a:t>‹#›</a:t>
             </a:fld>
             <a:endParaRPr lang="en-US"/>
@@ -1850,6 +1869,7 @@
           <a:p>
             <a:fld id="{50C0A67D-3799-6D49-B3EF-E582EBC7730D}" type="datetimeFigureOut">
               <a:rPr lang="en-US" smtClean="0"/>
+              <a:pPr/>
               <a:t>4/25/16</a:t>
             </a:fld>
             <a:endParaRPr lang="en-US"/>
@@ -1892,6 +1912,7 @@
           <a:p>
             <a:fld id="{D7A01EC1-D927-C54B-A41A-F8A454A1E19E}" type="slidenum">
               <a:rPr lang="en-US" smtClean="0"/>
+              <a:pPr/>
               <a:t>‹#›</a:t>
             </a:fld>
             <a:endParaRPr lang="en-US"/>
@@ -1940,6 +1961,7 @@
           <a:p>
             <a:fld id="{50C0A67D-3799-6D49-B3EF-E582EBC7730D}" type="datetimeFigureOut">
               <a:rPr lang="en-US" smtClean="0"/>
+              <a:pPr/>
               <a:t>4/25/16</a:t>
             </a:fld>
             <a:endParaRPr lang="en-US"/>
@@ -1982,6 +2004,7 @@
           <a:p>
             <a:fld id="{D7A01EC1-D927-C54B-A41A-F8A454A1E19E}" type="slidenum">
               <a:rPr lang="en-US" smtClean="0"/>
+              <a:pPr/>
               <a:t>‹#›</a:t>
             </a:fld>
             <a:endParaRPr lang="en-US"/>
@@ -2212,6 +2235,7 @@
           <a:p>
             <a:fld id="{50C0A67D-3799-6D49-B3EF-E582EBC7730D}" type="datetimeFigureOut">
               <a:rPr lang="en-US" smtClean="0"/>
+              <a:pPr/>
               <a:t>4/25/16</a:t>
             </a:fld>
             <a:endParaRPr lang="en-US"/>
@@ -2254,6 +2278,7 @@
           <a:p>
             <a:fld id="{D7A01EC1-D927-C54B-A41A-F8A454A1E19E}" type="slidenum">
               <a:rPr lang="en-US" smtClean="0"/>
+              <a:pPr/>
               <a:t>‹#›</a:t>
             </a:fld>
             <a:endParaRPr lang="en-US"/>
@@ -2460,6 +2485,7 @@
           <a:p>
             <a:fld id="{50C0A67D-3799-6D49-B3EF-E582EBC7730D}" type="datetimeFigureOut">
               <a:rPr lang="en-US" smtClean="0"/>
+              <a:pPr/>
               <a:t>4/25/16</a:t>
             </a:fld>
             <a:endParaRPr lang="en-US"/>
@@ -2502,6 +2528,7 @@
           <a:p>
             <a:fld id="{D7A01EC1-D927-C54B-A41A-F8A454A1E19E}" type="slidenum">
               <a:rPr lang="en-US" smtClean="0"/>
+              <a:pPr/>
               <a:t>‹#›</a:t>
             </a:fld>
             <a:endParaRPr lang="en-US"/>
@@ -2668,6 +2695,7 @@
           <a:p>
             <a:fld id="{50C0A67D-3799-6D49-B3EF-E582EBC7730D}" type="datetimeFigureOut">
               <a:rPr lang="en-US" smtClean="0"/>
+              <a:pPr/>
               <a:t>4/25/16</a:t>
             </a:fld>
             <a:endParaRPr lang="en-US"/>
@@ -2746,6 +2774,7 @@
           <a:p>
             <a:fld id="{D7A01EC1-D927-C54B-A41A-F8A454A1E19E}" type="slidenum">
               <a:rPr lang="en-US" smtClean="0"/>
+              <a:pPr/>
               <a:t>‹#›</a:t>
             </a:fld>
             <a:endParaRPr lang="en-US"/>
@@ -3216,6 +3245,148 @@
           <a:p>
             <a:r>
               <a:rPr lang="en-US" dirty="0" smtClean="0"/>
+              <a:t>Microwaves</a:t>
+            </a:r>
+            <a:endParaRPr lang="en-US" dirty="0"/>
+          </a:p>
+        </p:txBody>
+      </p:sp>
+      <p:sp>
+        <p:nvSpPr>
+          <p:cNvPr id="3" name="Content Placeholder 2"/>
+          <p:cNvSpPr>
+            <a:spLocks noGrp="1"/>
+          </p:cNvSpPr>
+          <p:nvPr>
+            <p:ph idx="1"/>
+          </p:nvPr>
+        </p:nvSpPr>
+        <p:spPr/>
+        <p:txBody>
+          <a:bodyPr/>
+          <a:lstStyle/>
+          <a:p>
+            <a:r>
+              <a:rPr lang="en-US" dirty="0" smtClean="0"/>
+              <a:t>Age, power, turntable</a:t>
+            </a:r>
+            <a:endParaRPr lang="en-US" dirty="0"/>
+          </a:p>
+        </p:txBody>
+      </p:sp>
+    </p:spTree>
+  </p:cSld>
+  <p:clrMapOvr>
+    <a:masterClrMapping/>
+  </p:clrMapOvr>
+</p:sld>
+</file>
+
+<file path=ppt/slides/slide4.xml><?xml version="1.0" encoding="utf-8"?>
+<p:sld xmlns:a="http://schemas.openxmlformats.org/drawingml/2006/main" xmlns:r="http://schemas.openxmlformats.org/officeDocument/2006/relationships" xmlns:mc="http://schemas.openxmlformats.org/markup-compatibility/2006" xmlns:mv="urn:schemas-microsoft-com:mac:vml" xmlns:p="http://schemas.openxmlformats.org/presentationml/2006/main" mc:Ignorable="mv" mc:PreserveAttributes="mv:*">
+  <p:cSld>
+    <p:spTree>
+      <p:nvGrpSpPr>
+        <p:cNvPr id="1" name=""/>
+        <p:cNvGrpSpPr/>
+        <p:nvPr/>
+      </p:nvGrpSpPr>
+      <p:grpSpPr>
+        <a:xfrm>
+          <a:off x="0" y="0"/>
+          <a:ext cx="0" cy="0"/>
+          <a:chOff x="0" y="0"/>
+          <a:chExt cx="0" cy="0"/>
+        </a:xfrm>
+      </p:grpSpPr>
+      <p:sp>
+        <p:nvSpPr>
+          <p:cNvPr id="2" name="Title 1"/>
+          <p:cNvSpPr>
+            <a:spLocks noGrp="1"/>
+          </p:cNvSpPr>
+          <p:nvPr>
+            <p:ph type="title"/>
+          </p:nvPr>
+        </p:nvSpPr>
+        <p:spPr/>
+        <p:txBody>
+          <a:bodyPr/>
+          <a:lstStyle/>
+          <a:p>
+            <a:r>
+              <a:rPr lang="en-US" dirty="0" smtClean="0"/>
+              <a:t>Potential Errors</a:t>
+            </a:r>
+            <a:endParaRPr lang="en-US" dirty="0"/>
+          </a:p>
+        </p:txBody>
+      </p:sp>
+      <p:sp>
+        <p:nvSpPr>
+          <p:cNvPr id="3" name="Content Placeholder 2"/>
+          <p:cNvSpPr>
+            <a:spLocks noGrp="1"/>
+          </p:cNvSpPr>
+          <p:nvPr>
+            <p:ph idx="1"/>
+          </p:nvPr>
+        </p:nvSpPr>
+        <p:spPr/>
+        <p:txBody>
+          <a:bodyPr/>
+          <a:lstStyle/>
+          <a:p>
+            <a:r>
+              <a:rPr lang="en-US" dirty="0" smtClean="0"/>
+              <a:t>Differences in ¼ cup ~ 400 kernels</a:t>
+            </a:r>
+            <a:endParaRPr lang="en-US" dirty="0"/>
+          </a:p>
+        </p:txBody>
+      </p:sp>
+    </p:spTree>
+  </p:cSld>
+  <p:clrMapOvr>
+    <a:masterClrMapping/>
+  </p:clrMapOvr>
+</p:sld>
+</file>
+
+<file path=ppt/slides/slide5.xml><?xml version="1.0" encoding="utf-8"?>
+<p:sld xmlns:a="http://schemas.openxmlformats.org/drawingml/2006/main" xmlns:r="http://schemas.openxmlformats.org/officeDocument/2006/relationships" xmlns:mc="http://schemas.openxmlformats.org/markup-compatibility/2006" xmlns:mv="urn:schemas-microsoft-com:mac:vml" xmlns:p="http://schemas.openxmlformats.org/presentationml/2006/main" mc:Ignorable="mv" mc:PreserveAttributes="mv:*">
+  <p:cSld>
+    <p:spTree>
+      <p:nvGrpSpPr>
+        <p:cNvPr id="1" name=""/>
+        <p:cNvGrpSpPr/>
+        <p:nvPr/>
+      </p:nvGrpSpPr>
+      <p:grpSpPr>
+        <a:xfrm>
+          <a:off x="0" y="0"/>
+          <a:ext cx="0" cy="0"/>
+          <a:chOff x="0" y="0"/>
+          <a:chExt cx="0" cy="0"/>
+        </a:xfrm>
+      </p:grpSpPr>
+      <p:sp>
+        <p:nvSpPr>
+          <p:cNvPr id="2" name="Title 1"/>
+          <p:cNvSpPr>
+            <a:spLocks noGrp="1"/>
+          </p:cNvSpPr>
+          <p:nvPr>
+            <p:ph type="title"/>
+          </p:nvPr>
+        </p:nvSpPr>
+        <p:spPr/>
+        <p:txBody>
+          <a:bodyPr/>
+          <a:lstStyle/>
+          <a:p>
+            <a:r>
+              <a:rPr lang="en-US" dirty="0" smtClean="0"/>
               <a:t>Data</a:t>
             </a:r>
             <a:endParaRPr lang="en-US" dirty="0"/>
@@ -3254,7 +3425,7 @@
 </p:sld>
 </file>
 
-<file path=ppt/slides/slide4.xml><?xml version="1.0" encoding="utf-8"?>
+<file path=ppt/slides/slide6.xml><?xml version="1.0" encoding="utf-8"?>
 <p:sld xmlns:a="http://schemas.openxmlformats.org/drawingml/2006/main" xmlns:r="http://schemas.openxmlformats.org/officeDocument/2006/relationships" xmlns:mc="http://schemas.openxmlformats.org/markup-compatibility/2006" xmlns:mv="urn:schemas-microsoft-com:mac:vml" xmlns:p="http://schemas.openxmlformats.org/presentationml/2006/main" mc:Ignorable="mv" mc:PreserveAttributes="mv:*">
   <p:cSld>
     <p:spTree>
@@ -3318,6 +3489,571 @@
           </a:prstGeom>
         </p:spPr>
       </p:pic>
+    </p:spTree>
+  </p:cSld>
+  <p:clrMapOvr>
+    <a:masterClrMapping/>
+  </p:clrMapOvr>
+</p:sld>
+</file>
+
+<file path=ppt/slides/slide7.xml><?xml version="1.0" encoding="utf-8"?>
+<p:sld xmlns:a="http://schemas.openxmlformats.org/drawingml/2006/main" xmlns:r="http://schemas.openxmlformats.org/officeDocument/2006/relationships" xmlns:mc="http://schemas.openxmlformats.org/markup-compatibility/2006" xmlns:mv="urn:schemas-microsoft-com:mac:vml" xmlns:p="http://schemas.openxmlformats.org/presentationml/2006/main" mc:Ignorable="mv" mc:PreserveAttributes="mv:*">
+  <p:cSld>
+    <p:spTree>
+      <p:nvGrpSpPr>
+        <p:cNvPr id="1" name=""/>
+        <p:cNvGrpSpPr/>
+        <p:nvPr/>
+      </p:nvGrpSpPr>
+      <p:grpSpPr>
+        <a:xfrm>
+          <a:off x="0" y="0"/>
+          <a:ext cx="0" cy="0"/>
+          <a:chOff x="0" y="0"/>
+          <a:chExt cx="0" cy="0"/>
+        </a:xfrm>
+      </p:grpSpPr>
+      <p:sp>
+        <p:nvSpPr>
+          <p:cNvPr id="2" name="Title 1"/>
+          <p:cNvSpPr>
+            <a:spLocks noGrp="1"/>
+          </p:cNvSpPr>
+          <p:nvPr>
+            <p:ph type="title"/>
+          </p:nvPr>
+        </p:nvSpPr>
+        <p:spPr/>
+        <p:txBody>
+          <a:bodyPr/>
+          <a:lstStyle/>
+          <a:p>
+            <a:r>
+              <a:rPr lang="en-US" dirty="0" smtClean="0"/>
+              <a:t>Calculations</a:t>
+            </a:r>
+            <a:endParaRPr lang="en-US" dirty="0"/>
+          </a:p>
+        </p:txBody>
+      </p:sp>
+      <p:sp>
+        <p:nvSpPr>
+          <p:cNvPr id="5" name="TextBox 4"/>
+          <p:cNvSpPr txBox="1"/>
+          <p:nvPr/>
+        </p:nvSpPr>
+        <p:spPr>
+          <a:xfrm>
+            <a:off x="457200" y="1417638"/>
+            <a:ext cx="8458200" cy="4770537"/>
+          </a:xfrm>
+          <a:prstGeom prst="rect">
+            <a:avLst/>
+          </a:prstGeom>
+          <a:noFill/>
+        </p:spPr>
+        <p:txBody>
+          <a:bodyPr wrap="square" rtlCol="0">
+            <a:spAutoFit/>
+          </a:bodyPr>
+          <a:lstStyle/>
+          <a:p>
+            <a:r>
+              <a:rPr lang="en-US" sz="1600" dirty="0" err="1" smtClean="0">
+                <a:latin typeface="Hack"/>
+              </a:rPr>
+              <a:t>unpopped</a:t>
+            </a:r>
+            <a:r>
+              <a:rPr lang="en-US" sz="1600" dirty="0" smtClean="0">
+                <a:latin typeface="Hack"/>
+              </a:rPr>
+              <a:t> </a:t>
+            </a:r>
+            <a:r>
+              <a:rPr lang="en-US" sz="1600" dirty="0" smtClean="0">
+                <a:latin typeface="Hack"/>
+              </a:rPr>
+              <a:t>= c</a:t>
+            </a:r>
+            <a:r>
+              <a:rPr lang="en-US" sz="1600" dirty="0" smtClean="0">
+                <a:latin typeface="Hack"/>
+              </a:rPr>
+              <a:t>(332,338,320,389,398,411,88,113,88,277,268</a:t>
+            </a:r>
+            <a:r>
+              <a:rPr lang="en-US" sz="1600" dirty="0" smtClean="0">
+                <a:latin typeface="Hack"/>
+              </a:rPr>
+              <a:t>,</a:t>
+            </a:r>
+          </a:p>
+          <a:p>
+            <a:r>
+              <a:rPr lang="en-US" sz="1600" dirty="0" smtClean="0">
+                <a:latin typeface="Hack"/>
+              </a:rPr>
+              <a:t>283,379,381,394,84,100,127,262,295,288,388,371,369,248,86,108)</a:t>
+            </a:r>
+          </a:p>
+          <a:p>
+            <a:endParaRPr lang="en-US" sz="1600" dirty="0" smtClean="0">
+              <a:latin typeface="Hack"/>
+            </a:endParaRPr>
+          </a:p>
+          <a:p>
+            <a:r>
+              <a:rPr lang="en-US" sz="1600" dirty="0" smtClean="0">
+                <a:latin typeface="Hack"/>
+              </a:rPr>
+              <a:t>additive = </a:t>
+            </a:r>
+            <a:r>
+              <a:rPr lang="en-US" sz="1600" dirty="0" err="1" smtClean="0">
+                <a:latin typeface="Hack"/>
+              </a:rPr>
+              <a:t>c(rep("none</a:t>
+            </a:r>
+            <a:r>
+              <a:rPr lang="en-US" sz="1600" dirty="0" smtClean="0">
+                <a:latin typeface="Hack"/>
+              </a:rPr>
+              <a:t>", 9), </a:t>
+            </a:r>
+            <a:r>
+              <a:rPr lang="en-US" sz="1600" dirty="0" err="1" smtClean="0">
+                <a:latin typeface="Hack"/>
+              </a:rPr>
+              <a:t>rep("olive</a:t>
+            </a:r>
+            <a:r>
+              <a:rPr lang="en-US" sz="1600" dirty="0" smtClean="0">
+                <a:latin typeface="Hack"/>
+              </a:rPr>
+              <a:t>", 9), </a:t>
+            </a:r>
+            <a:r>
+              <a:rPr lang="en-US" sz="1600" dirty="0" err="1" smtClean="0">
+                <a:latin typeface="Hack"/>
+              </a:rPr>
+              <a:t>rep("butter</a:t>
+            </a:r>
+            <a:r>
+              <a:rPr lang="en-US" sz="1600" dirty="0" smtClean="0">
+                <a:latin typeface="Hack"/>
+              </a:rPr>
+              <a:t>", 9)</a:t>
+            </a:r>
+            <a:r>
+              <a:rPr lang="en-US" sz="1600" dirty="0" smtClean="0">
+                <a:latin typeface="Hack"/>
+              </a:rPr>
+              <a:t>)</a:t>
+            </a:r>
+          </a:p>
+          <a:p>
+            <a:endParaRPr lang="en-US" sz="1600" dirty="0" smtClean="0">
+              <a:latin typeface="Hack"/>
+            </a:endParaRPr>
+          </a:p>
+          <a:p>
+            <a:r>
+              <a:rPr lang="en-US" sz="1600" dirty="0" smtClean="0">
+                <a:latin typeface="Hack"/>
+              </a:rPr>
+              <a:t>power = rep(c(rep("900", 3), rep("1000", 3), rep("1200", 3)), 3</a:t>
+            </a:r>
+            <a:r>
+              <a:rPr lang="en-US" sz="1600" dirty="0" smtClean="0">
+                <a:latin typeface="Hack"/>
+              </a:rPr>
+              <a:t>)</a:t>
+            </a:r>
+          </a:p>
+          <a:p>
+            <a:endParaRPr lang="en-US" sz="1600" dirty="0" smtClean="0">
+              <a:latin typeface="Hack"/>
+            </a:endParaRPr>
+          </a:p>
+          <a:p>
+            <a:r>
+              <a:rPr lang="en-US" sz="1600" dirty="0" err="1" smtClean="0">
+                <a:latin typeface="Hack"/>
+              </a:rPr>
+              <a:t>dat</a:t>
+            </a:r>
+            <a:r>
+              <a:rPr lang="en-US" sz="1600" dirty="0" smtClean="0">
+                <a:latin typeface="Hack"/>
+              </a:rPr>
+              <a:t> = </a:t>
+            </a:r>
+            <a:r>
+              <a:rPr lang="en-US" sz="1600" dirty="0" err="1" smtClean="0">
+                <a:latin typeface="Hack"/>
+              </a:rPr>
+              <a:t>data.frame(additives</a:t>
+            </a:r>
+            <a:r>
+              <a:rPr lang="en-US" sz="1600" dirty="0" smtClean="0">
+                <a:latin typeface="Hack"/>
+              </a:rPr>
+              <a:t>, power, </a:t>
+            </a:r>
+            <a:r>
+              <a:rPr lang="en-US" sz="1600" dirty="0" err="1" smtClean="0">
+                <a:latin typeface="Hack"/>
+              </a:rPr>
+              <a:t>unpopped</a:t>
+            </a:r>
+            <a:r>
+              <a:rPr lang="en-US" sz="1600" dirty="0" smtClean="0">
+                <a:latin typeface="Hack"/>
+              </a:rPr>
+              <a:t>)</a:t>
+            </a:r>
+          </a:p>
+          <a:p>
+            <a:endParaRPr lang="en-US" sz="1600" dirty="0" smtClean="0">
+              <a:latin typeface="Hack"/>
+            </a:endParaRPr>
+          </a:p>
+          <a:p>
+            <a:r>
+              <a:rPr lang="en-US" sz="1600" dirty="0" smtClean="0">
+                <a:latin typeface="Hack"/>
+              </a:rPr>
+              <a:t>mod = </a:t>
+            </a:r>
+            <a:r>
+              <a:rPr lang="en-US" sz="1600" dirty="0" err="1" smtClean="0">
+                <a:latin typeface="Hack"/>
+              </a:rPr>
+              <a:t>aov(unpopped</a:t>
+            </a:r>
+            <a:r>
+              <a:rPr lang="en-US" sz="1600" dirty="0" smtClean="0">
+                <a:latin typeface="Hack"/>
+              </a:rPr>
+              <a:t> ~ additive * power, </a:t>
+            </a:r>
+            <a:r>
+              <a:rPr lang="en-US" sz="1600" dirty="0" err="1" smtClean="0">
+                <a:latin typeface="Hack"/>
+              </a:rPr>
+              <a:t>dat</a:t>
+            </a:r>
+            <a:r>
+              <a:rPr lang="en-US" sz="1600" dirty="0" smtClean="0">
+                <a:latin typeface="Hack"/>
+              </a:rPr>
+              <a:t>)</a:t>
+            </a:r>
+          </a:p>
+          <a:p>
+            <a:endParaRPr lang="en-US" sz="1600" dirty="0" smtClean="0">
+              <a:latin typeface="Hack"/>
+            </a:endParaRPr>
+          </a:p>
+          <a:p>
+            <a:r>
+              <a:rPr lang="en-US" sz="1600" dirty="0" err="1" smtClean="0">
+                <a:latin typeface="Hack"/>
+              </a:rPr>
+              <a:t>options(show.signif.stars</a:t>
+            </a:r>
+            <a:r>
+              <a:rPr lang="en-US" sz="1600" dirty="0" smtClean="0">
+                <a:latin typeface="Hack"/>
+              </a:rPr>
+              <a:t>=FALSE</a:t>
+            </a:r>
+            <a:r>
+              <a:rPr lang="en-US" sz="1600" dirty="0" smtClean="0">
+                <a:latin typeface="Hack"/>
+              </a:rPr>
+              <a:t>)</a:t>
+            </a:r>
+          </a:p>
+          <a:p>
+            <a:endParaRPr lang="en-US" sz="1600" dirty="0" smtClean="0">
+              <a:latin typeface="Hack"/>
+            </a:endParaRPr>
+          </a:p>
+          <a:p>
+            <a:r>
+              <a:rPr lang="en-US" sz="1600" dirty="0" err="1" smtClean="0">
+                <a:latin typeface="Hack"/>
+              </a:rPr>
+              <a:t>summary(mod</a:t>
+            </a:r>
+            <a:r>
+              <a:rPr lang="en-US" sz="1600" dirty="0" smtClean="0">
+                <a:latin typeface="Hack"/>
+              </a:rPr>
+              <a:t>) </a:t>
+            </a:r>
+            <a:r>
+              <a:rPr lang="en-US" sz="1600" dirty="0" smtClean="0">
+                <a:latin typeface="Hack"/>
+              </a:rPr>
+              <a:t> </a:t>
+            </a:r>
+          </a:p>
+          <a:p>
+            <a:endParaRPr lang="en-US" sz="1600" dirty="0" smtClean="0">
+              <a:latin typeface="Hack"/>
+            </a:endParaRPr>
+          </a:p>
+          <a:p>
+            <a:r>
+              <a:rPr lang="en-US" sz="1600" dirty="0" err="1" smtClean="0">
+                <a:latin typeface="Hack"/>
+              </a:rPr>
+              <a:t>Df</a:t>
+            </a:r>
+            <a:r>
+              <a:rPr lang="en-US" sz="1600" dirty="0" smtClean="0">
+                <a:latin typeface="Hack"/>
+              </a:rPr>
+              <a:t> </a:t>
+            </a:r>
+            <a:r>
+              <a:rPr lang="en-US" sz="1600" dirty="0" smtClean="0">
+                <a:latin typeface="Hack"/>
+              </a:rPr>
+              <a:t>Sum Sq Mean Sq F value   Pr(&gt;F</a:t>
+            </a:r>
+            <a:r>
+              <a:rPr lang="en-US" sz="1600" dirty="0" smtClean="0">
+                <a:latin typeface="Hack"/>
+              </a:rPr>
+              <a:t>)</a:t>
+            </a:r>
+          </a:p>
+          <a:p>
+            <a:r>
+              <a:rPr lang="en-US" sz="1600" dirty="0" smtClean="0">
+                <a:latin typeface="Hack"/>
+              </a:rPr>
+              <a:t>additive </a:t>
+            </a:r>
+            <a:r>
+              <a:rPr lang="en-US" sz="1600" dirty="0" smtClean="0">
+                <a:latin typeface="Hack"/>
+              </a:rPr>
+              <a:t>   </a:t>
+            </a:r>
+            <a:r>
+              <a:rPr lang="en-US" sz="1600" dirty="0" smtClean="0">
+                <a:latin typeface="Hack"/>
+              </a:rPr>
+              <a:t> 2 </a:t>
+            </a:r>
+            <a:r>
+              <a:rPr lang="en-US" sz="1600" dirty="0" smtClean="0">
+                <a:latin typeface="Hack"/>
+              </a:rPr>
+              <a:t>  1948     974   0.793    </a:t>
+            </a:r>
+            <a:r>
+              <a:rPr lang="en-US" sz="1600" dirty="0" smtClean="0">
+                <a:latin typeface="Hack"/>
+              </a:rPr>
+              <a:t>0.465</a:t>
+            </a:r>
+          </a:p>
+          <a:p>
+            <a:r>
+              <a:rPr lang="en-US" sz="1600" dirty="0" smtClean="0">
+                <a:latin typeface="Hack"/>
+              </a:rPr>
+              <a:t>power </a:t>
+            </a:r>
+            <a:r>
+              <a:rPr lang="en-US" sz="1600" dirty="0" smtClean="0">
+                <a:latin typeface="Hack"/>
+              </a:rPr>
+              <a:t>      </a:t>
+            </a:r>
+            <a:r>
+              <a:rPr lang="en-US" sz="1600" dirty="0" smtClean="0">
+                <a:latin typeface="Hack"/>
+              </a:rPr>
+              <a:t> 2 </a:t>
+            </a:r>
+            <a:r>
+              <a:rPr lang="en-US" sz="1600" dirty="0" smtClean="0">
+                <a:latin typeface="Hack"/>
+              </a:rPr>
+              <a:t>342184  171092 139.311 3.22e-</a:t>
+            </a:r>
+            <a:r>
+              <a:rPr lang="en-US" sz="1600" dirty="0" smtClean="0">
+                <a:latin typeface="Hack"/>
+              </a:rPr>
+              <a:t>13</a:t>
+            </a:r>
+          </a:p>
+          <a:p>
+            <a:r>
+              <a:rPr lang="en-US" sz="1600" dirty="0" smtClean="0">
+                <a:latin typeface="Hack"/>
+              </a:rPr>
+              <a:t>Residuals </a:t>
+            </a:r>
+            <a:r>
+              <a:rPr lang="en-US" sz="1600" dirty="0" smtClean="0">
+                <a:latin typeface="Hack"/>
+              </a:rPr>
+              <a:t>  22  27019    1228</a:t>
+            </a:r>
+            <a:endParaRPr lang="en-US" sz="1600" dirty="0">
+              <a:latin typeface="Hack"/>
+            </a:endParaRPr>
+          </a:p>
+        </p:txBody>
+      </p:sp>
+    </p:spTree>
+  </p:cSld>
+  <p:clrMapOvr>
+    <a:masterClrMapping/>
+  </p:clrMapOvr>
+</p:sld>
+</file>
+
+<file path=ppt/slides/slide8.xml><?xml version="1.0" encoding="utf-8"?>
+<p:sld xmlns:a="http://schemas.openxmlformats.org/drawingml/2006/main" xmlns:r="http://schemas.openxmlformats.org/officeDocument/2006/relationships" xmlns:mc="http://schemas.openxmlformats.org/markup-compatibility/2006" xmlns:mv="urn:schemas-microsoft-com:mac:vml" xmlns:p="http://schemas.openxmlformats.org/presentationml/2006/main" mc:Ignorable="mv" mc:PreserveAttributes="mv:*">
+  <p:cSld>
+    <p:spTree>
+      <p:nvGrpSpPr>
+        <p:cNvPr id="1" name=""/>
+        <p:cNvGrpSpPr/>
+        <p:nvPr/>
+      </p:nvGrpSpPr>
+      <p:grpSpPr>
+        <a:xfrm>
+          <a:off x="0" y="0"/>
+          <a:ext cx="0" cy="0"/>
+          <a:chOff x="0" y="0"/>
+          <a:chExt cx="0" cy="0"/>
+        </a:xfrm>
+      </p:grpSpPr>
+      <p:sp>
+        <p:nvSpPr>
+          <p:cNvPr id="2" name="Title 1"/>
+          <p:cNvSpPr>
+            <a:spLocks noGrp="1"/>
+          </p:cNvSpPr>
+          <p:nvPr>
+            <p:ph type="title"/>
+          </p:nvPr>
+        </p:nvSpPr>
+        <p:spPr/>
+        <p:txBody>
+          <a:bodyPr/>
+          <a:lstStyle/>
+          <a:p>
+            <a:r>
+              <a:rPr lang="en-US" dirty="0" smtClean="0"/>
+              <a:t>Conclusions</a:t>
+            </a:r>
+            <a:endParaRPr lang="en-US" dirty="0"/>
+          </a:p>
+        </p:txBody>
+      </p:sp>
+      <p:sp>
+        <p:nvSpPr>
+          <p:cNvPr id="3" name="Content Placeholder 2"/>
+          <p:cNvSpPr>
+            <a:spLocks noGrp="1"/>
+          </p:cNvSpPr>
+          <p:nvPr>
+            <p:ph idx="1"/>
+          </p:nvPr>
+        </p:nvSpPr>
+        <p:spPr/>
+        <p:txBody>
+          <a:bodyPr/>
+          <a:lstStyle/>
+          <a:p>
+            <a:r>
+              <a:rPr lang="en-US" dirty="0" smtClean="0"/>
+              <a:t>MOAR POWR == MOAR KORN</a:t>
+            </a:r>
+            <a:endParaRPr lang="en-US" dirty="0"/>
+          </a:p>
+        </p:txBody>
+      </p:sp>
+    </p:spTree>
+  </p:cSld>
+  <p:clrMapOvr>
+    <a:masterClrMapping/>
+  </p:clrMapOvr>
+</p:sld>
+</file>
+
+<file path=ppt/slides/slide9.xml><?xml version="1.0" encoding="utf-8"?>
+<p:sld xmlns:a="http://schemas.openxmlformats.org/drawingml/2006/main" xmlns:r="http://schemas.openxmlformats.org/officeDocument/2006/relationships" xmlns:mc="http://schemas.openxmlformats.org/markup-compatibility/2006" xmlns:mv="urn:schemas-microsoft-com:mac:vml" xmlns:p="http://schemas.openxmlformats.org/presentationml/2006/main" mc:Ignorable="mv" mc:PreserveAttributes="mv:*">
+  <p:cSld>
+    <p:spTree>
+      <p:nvGrpSpPr>
+        <p:cNvPr id="1" name=""/>
+        <p:cNvGrpSpPr/>
+        <p:nvPr/>
+      </p:nvGrpSpPr>
+      <p:grpSpPr>
+        <a:xfrm>
+          <a:off x="0" y="0"/>
+          <a:ext cx="0" cy="0"/>
+          <a:chOff x="0" y="0"/>
+          <a:chExt cx="0" cy="0"/>
+        </a:xfrm>
+      </p:grpSpPr>
+      <p:sp>
+        <p:nvSpPr>
+          <p:cNvPr id="2" name="Title 1"/>
+          <p:cNvSpPr>
+            <a:spLocks noGrp="1"/>
+          </p:cNvSpPr>
+          <p:nvPr>
+            <p:ph type="title"/>
+          </p:nvPr>
+        </p:nvSpPr>
+        <p:spPr/>
+        <p:txBody>
+          <a:bodyPr/>
+          <a:lstStyle/>
+          <a:p>
+            <a:r>
+              <a:rPr lang="en-US" dirty="0" smtClean="0"/>
+              <a:t>Recommendations</a:t>
+            </a:r>
+            <a:endParaRPr lang="en-US" dirty="0"/>
+          </a:p>
+        </p:txBody>
+      </p:sp>
+      <p:sp>
+        <p:nvSpPr>
+          <p:cNvPr id="3" name="Content Placeholder 2"/>
+          <p:cNvSpPr>
+            <a:spLocks noGrp="1"/>
+          </p:cNvSpPr>
+          <p:nvPr>
+            <p:ph idx="1"/>
+          </p:nvPr>
+        </p:nvSpPr>
+        <p:spPr/>
+        <p:txBody>
+          <a:bodyPr/>
+          <a:lstStyle/>
+          <a:p>
+            <a:endParaRPr lang="en-US"/>
+          </a:p>
+        </p:txBody>
+      </p:sp>
     </p:spTree>
   </p:cSld>
   <p:clrMapOvr>

--- a/project/thornton-clark-popcorn.pptx
+++ b/project/thornton-clark-popcorn.pptx
@@ -3569,25 +3569,7 @@
               <a:rPr lang="en-US" sz="1600" dirty="0" smtClean="0">
                 <a:latin typeface="Hack"/>
               </a:rPr>
-              <a:t> </a:t>
-            </a:r>
-            <a:r>
-              <a:rPr lang="en-US" sz="1600" dirty="0" smtClean="0">
-                <a:latin typeface="Hack"/>
-              </a:rPr>
-              <a:t>= c</a:t>
-            </a:r>
-            <a:r>
-              <a:rPr lang="en-US" sz="1600" dirty="0" smtClean="0">
-                <a:latin typeface="Hack"/>
-              </a:rPr>
-              <a:t>(332,338,320,389,398,411,88,113,88,277,268</a:t>
-            </a:r>
-            <a:r>
-              <a:rPr lang="en-US" sz="1600" dirty="0" smtClean="0">
-                <a:latin typeface="Hack"/>
-              </a:rPr>
-              <a:t>,</a:t>
+              <a:t> = c(332,338,320,389,398,411,88,113,88,277,268,</a:t>
             </a:r>
           </a:p>
           <a:p>
@@ -3644,7 +3626,57 @@
               <a:rPr lang="en-US" sz="1600" dirty="0" smtClean="0">
                 <a:latin typeface="Hack"/>
               </a:rPr>
-              <a:t>", 9)</a:t>
+              <a:t>", 9))</a:t>
+            </a:r>
+          </a:p>
+          <a:p>
+            <a:endParaRPr lang="en-US" sz="1600" dirty="0" smtClean="0">
+              <a:latin typeface="Hack"/>
+            </a:endParaRPr>
+          </a:p>
+          <a:p>
+            <a:r>
+              <a:rPr lang="en-US" sz="1600" dirty="0" smtClean="0">
+                <a:latin typeface="Hack"/>
+              </a:rPr>
+              <a:t>power = rep(c(rep("900", 3), rep("1000", 3), rep("1200", 3)), 3)</a:t>
+            </a:r>
+          </a:p>
+          <a:p>
+            <a:endParaRPr lang="en-US" sz="1600" dirty="0" smtClean="0">
+              <a:latin typeface="Hack"/>
+            </a:endParaRPr>
+          </a:p>
+          <a:p>
+            <a:r>
+              <a:rPr lang="en-US" sz="1600" dirty="0" err="1" smtClean="0">
+                <a:latin typeface="Hack"/>
+              </a:rPr>
+              <a:t>dat</a:t>
+            </a:r>
+            <a:r>
+              <a:rPr lang="en-US" sz="1600" dirty="0" smtClean="0">
+                <a:latin typeface="Hack"/>
+              </a:rPr>
+              <a:t> = </a:t>
+            </a:r>
+            <a:r>
+              <a:rPr lang="en-US" sz="1600" dirty="0" err="1" smtClean="0">
+                <a:latin typeface="Hack"/>
+              </a:rPr>
+              <a:t>data.frame(additives</a:t>
+            </a:r>
+            <a:r>
+              <a:rPr lang="en-US" sz="1600" dirty="0" smtClean="0">
+                <a:latin typeface="Hack"/>
+              </a:rPr>
+              <a:t>, power, </a:t>
+            </a:r>
+            <a:r>
+              <a:rPr lang="en-US" sz="1600" dirty="0" err="1" smtClean="0">
+                <a:latin typeface="Hack"/>
+              </a:rPr>
+              <a:t>unpopped</a:t>
             </a:r>
             <a:r>
               <a:rPr lang="en-US" sz="1600" dirty="0" smtClean="0">
@@ -3663,7 +3695,25 @@
               <a:rPr lang="en-US" sz="1600" dirty="0" smtClean="0">
                 <a:latin typeface="Hack"/>
               </a:rPr>
-              <a:t>power = rep(c(rep("900", 3), rep("1000", 3), rep("1200", 3)), 3</a:t>
+              <a:t>mod = </a:t>
+            </a:r>
+            <a:r>
+              <a:rPr lang="en-US" sz="1600" dirty="0" err="1" smtClean="0">
+                <a:latin typeface="Hack"/>
+              </a:rPr>
+              <a:t>aov(unpopped</a:t>
+            </a:r>
+            <a:r>
+              <a:rPr lang="en-US" sz="1600" dirty="0" smtClean="0">
+                <a:latin typeface="Hack"/>
+              </a:rPr>
+              <a:t> ~ additive * power, </a:t>
+            </a:r>
+            <a:r>
+              <a:rPr lang="en-US" sz="1600" dirty="0" err="1" smtClean="0">
+                <a:latin typeface="Hack"/>
+              </a:rPr>
+              <a:t>dat</a:t>
             </a:r>
             <a:r>
               <a:rPr lang="en-US" sz="1600" dirty="0" smtClean="0">
@@ -3682,99 +3732,13 @@
               <a:rPr lang="en-US" sz="1600" dirty="0" err="1" smtClean="0">
                 <a:latin typeface="Hack"/>
               </a:rPr>
-              <a:t>dat</a:t>
+              <a:t>options(show.signif.stars</a:t>
             </a:r>
             <a:r>
               <a:rPr lang="en-US" sz="1600" dirty="0" smtClean="0">
                 <a:latin typeface="Hack"/>
               </a:rPr>
-              <a:t> = </a:t>
-            </a:r>
-            <a:r>
-              <a:rPr lang="en-US" sz="1600" dirty="0" err="1" smtClean="0">
-                <a:latin typeface="Hack"/>
-              </a:rPr>
-              <a:t>data.frame(additives</a:t>
-            </a:r>
-            <a:r>
-              <a:rPr lang="en-US" sz="1600" dirty="0" smtClean="0">
-                <a:latin typeface="Hack"/>
-              </a:rPr>
-              <a:t>, power, </a:t>
-            </a:r>
-            <a:r>
-              <a:rPr lang="en-US" sz="1600" dirty="0" err="1" smtClean="0">
-                <a:latin typeface="Hack"/>
-              </a:rPr>
-              <a:t>unpopped</a:t>
-            </a:r>
-            <a:r>
-              <a:rPr lang="en-US" sz="1600" dirty="0" smtClean="0">
-                <a:latin typeface="Hack"/>
-              </a:rPr>
-              <a:t>)</a:t>
-            </a:r>
-          </a:p>
-          <a:p>
-            <a:endParaRPr lang="en-US" sz="1600" dirty="0" smtClean="0">
-              <a:latin typeface="Hack"/>
-            </a:endParaRPr>
-          </a:p>
-          <a:p>
-            <a:r>
-              <a:rPr lang="en-US" sz="1600" dirty="0" smtClean="0">
-                <a:latin typeface="Hack"/>
-              </a:rPr>
-              <a:t>mod = </a:t>
-            </a:r>
-            <a:r>
-              <a:rPr lang="en-US" sz="1600" dirty="0" err="1" smtClean="0">
-                <a:latin typeface="Hack"/>
-              </a:rPr>
-              <a:t>aov(unpopped</a:t>
-            </a:r>
-            <a:r>
-              <a:rPr lang="en-US" sz="1600" dirty="0" smtClean="0">
-                <a:latin typeface="Hack"/>
-              </a:rPr>
-              <a:t> ~ additive * power, </a:t>
-            </a:r>
-            <a:r>
-              <a:rPr lang="en-US" sz="1600" dirty="0" err="1" smtClean="0">
-                <a:latin typeface="Hack"/>
-              </a:rPr>
-              <a:t>dat</a:t>
-            </a:r>
-            <a:r>
-              <a:rPr lang="en-US" sz="1600" dirty="0" smtClean="0">
-                <a:latin typeface="Hack"/>
-              </a:rPr>
-              <a:t>)</a:t>
-            </a:r>
-          </a:p>
-          <a:p>
-            <a:endParaRPr lang="en-US" sz="1600" dirty="0" smtClean="0">
-              <a:latin typeface="Hack"/>
-            </a:endParaRPr>
-          </a:p>
-          <a:p>
-            <a:r>
-              <a:rPr lang="en-US" sz="1600" dirty="0" err="1" smtClean="0">
-                <a:latin typeface="Hack"/>
-              </a:rPr>
-              <a:t>options(show.signif.stars</a:t>
-            </a:r>
-            <a:r>
-              <a:rPr lang="en-US" sz="1600" dirty="0" smtClean="0">
-                <a:latin typeface="Hack"/>
-              </a:rPr>
-              <a:t>=FALSE</a:t>
-            </a:r>
-            <a:r>
-              <a:rPr lang="en-US" sz="1600" dirty="0" smtClean="0">
-                <a:latin typeface="Hack"/>
-              </a:rPr>
-              <a:t>)</a:t>
+              <a:t>=FALSE)</a:t>
             </a:r>
           </a:p>
           <a:p>
@@ -3793,13 +3757,7 @@
               <a:rPr lang="en-US" sz="1600" dirty="0" smtClean="0">
                 <a:latin typeface="Hack"/>
               </a:rPr>
-              <a:t>) </a:t>
-            </a:r>
-            <a:r>
-              <a:rPr lang="en-US" sz="1600" dirty="0" smtClean="0">
-                <a:latin typeface="Hack"/>
-              </a:rPr>
-              <a:t> </a:t>
+              <a:t>)  </a:t>
             </a:r>
           </a:p>
           <a:p>
@@ -3818,19 +3776,23 @@
               <a:rPr lang="en-US" sz="1600" dirty="0" smtClean="0">
                 <a:latin typeface="Hack"/>
               </a:rPr>
-              <a:t> </a:t>
-            </a:r>
+              <a:t> Sum Sq Mean Sq F value   Pr(&gt;F)</a:t>
+            </a:r>
+          </a:p>
+          <a:p>
             <a:r>
               <a:rPr lang="en-US" sz="1600" dirty="0" smtClean="0">
                 <a:latin typeface="Hack"/>
               </a:rPr>
-              <a:t>Sum Sq Mean Sq F value   Pr(&gt;F</a:t>
-            </a:r>
+              <a:t>additive     2   1948     974   0.793    0.465</a:t>
+            </a:r>
+          </a:p>
+          <a:p>
             <a:r>
               <a:rPr lang="en-US" sz="1600" dirty="0" smtClean="0">
                 <a:latin typeface="Hack"/>
               </a:rPr>
-              <a:t>)</a:t>
+              <a:t>power        2 342184  171092 139.311 3.22e-13</a:t>
             </a:r>
           </a:p>
           <a:p>
@@ -3838,77 +3800,7 @@
               <a:rPr lang="en-US" sz="1600" dirty="0" smtClean="0">
                 <a:latin typeface="Hack"/>
               </a:rPr>
-              <a:t>additive </a:t>
-            </a:r>
-            <a:r>
-              <a:rPr lang="en-US" sz="1600" dirty="0" smtClean="0">
-                <a:latin typeface="Hack"/>
-              </a:rPr>
-              <a:t>   </a:t>
-            </a:r>
-            <a:r>
-              <a:rPr lang="en-US" sz="1600" dirty="0" smtClean="0">
-                <a:latin typeface="Hack"/>
-              </a:rPr>
-              <a:t> 2 </a:t>
-            </a:r>
-            <a:r>
-              <a:rPr lang="en-US" sz="1600" dirty="0" smtClean="0">
-                <a:latin typeface="Hack"/>
-              </a:rPr>
-              <a:t>  1948     974   0.793    </a:t>
-            </a:r>
-            <a:r>
-              <a:rPr lang="en-US" sz="1600" dirty="0" smtClean="0">
-                <a:latin typeface="Hack"/>
-              </a:rPr>
-              <a:t>0.465</a:t>
-            </a:r>
-          </a:p>
-          <a:p>
-            <a:r>
-              <a:rPr lang="en-US" sz="1600" dirty="0" smtClean="0">
-                <a:latin typeface="Hack"/>
-              </a:rPr>
-              <a:t>power </a:t>
-            </a:r>
-            <a:r>
-              <a:rPr lang="en-US" sz="1600" dirty="0" smtClean="0">
-                <a:latin typeface="Hack"/>
-              </a:rPr>
-              <a:t>      </a:t>
-            </a:r>
-            <a:r>
-              <a:rPr lang="en-US" sz="1600" dirty="0" smtClean="0">
-                <a:latin typeface="Hack"/>
-              </a:rPr>
-              <a:t> 2 </a:t>
-            </a:r>
-            <a:r>
-              <a:rPr lang="en-US" sz="1600" dirty="0" smtClean="0">
-                <a:latin typeface="Hack"/>
-              </a:rPr>
-              <a:t>342184  171092 139.311 3.22e-</a:t>
-            </a:r>
-            <a:r>
-              <a:rPr lang="en-US" sz="1600" dirty="0" smtClean="0">
-                <a:latin typeface="Hack"/>
-              </a:rPr>
-              <a:t>13</a:t>
-            </a:r>
-          </a:p>
-          <a:p>
-            <a:r>
-              <a:rPr lang="en-US" sz="1600" dirty="0" smtClean="0">
-                <a:latin typeface="Hack"/>
-              </a:rPr>
-              <a:t>Residuals </a:t>
-            </a:r>
-            <a:r>
-              <a:rPr lang="en-US" sz="1600" dirty="0" smtClean="0">
-                <a:latin typeface="Hack"/>
-              </a:rPr>
-              <a:t>  22  27019    1228</a:t>
+              <a:t>Residuals   22  27019    1228</a:t>
             </a:r>
             <a:endParaRPr lang="en-US" sz="1600" dirty="0">
               <a:latin typeface="Hack"/>

--- a/project/thornton-clark-popcorn.pptx
+++ b/project/thornton-clark-popcorn.pptx
@@ -12,8 +12,10 @@
     <p:sldId id="258" r:id="rId6"/>
     <p:sldId id="257" r:id="rId7"/>
     <p:sldId id="264" r:id="rId8"/>
-    <p:sldId id="261" r:id="rId9"/>
-    <p:sldId id="260" r:id="rId10"/>
+    <p:sldId id="265" r:id="rId9"/>
+    <p:sldId id="266" r:id="rId10"/>
+    <p:sldId id="261" r:id="rId11"/>
+    <p:sldId id="260" r:id="rId12"/>
   </p:sldIdLst>
   <p:sldSz cx="9144000" cy="6858000" type="screen4x3"/>
   <p:notesSz cx="6858000" cy="9144000"/>
@@ -297,7 +299,7 @@
             <a:fld id="{50C0A67D-3799-6D49-B3EF-E582EBC7730D}" type="datetimeFigureOut">
               <a:rPr lang="en-US" smtClean="0"/>
               <a:pPr/>
-              <a:t>4/25/16</a:t>
+              <a:t>4/26/16</a:t>
             </a:fld>
             <a:endParaRPr lang="en-US"/>
           </a:p>
@@ -464,7 +466,7 @@
             <a:fld id="{50C0A67D-3799-6D49-B3EF-E582EBC7730D}" type="datetimeFigureOut">
               <a:rPr lang="en-US" smtClean="0"/>
               <a:pPr/>
-              <a:t>4/25/16</a:t>
+              <a:t>4/26/16</a:t>
             </a:fld>
             <a:endParaRPr lang="en-US"/>
           </a:p>
@@ -641,7 +643,7 @@
             <a:fld id="{50C0A67D-3799-6D49-B3EF-E582EBC7730D}" type="datetimeFigureOut">
               <a:rPr lang="en-US" smtClean="0"/>
               <a:pPr/>
-              <a:t>4/25/16</a:t>
+              <a:t>4/26/16</a:t>
             </a:fld>
             <a:endParaRPr lang="en-US"/>
           </a:p>
@@ -808,7 +810,7 @@
             <a:fld id="{50C0A67D-3799-6D49-B3EF-E582EBC7730D}" type="datetimeFigureOut">
               <a:rPr lang="en-US" smtClean="0"/>
               <a:pPr/>
-              <a:t>4/25/16</a:t>
+              <a:t>4/26/16</a:t>
             </a:fld>
             <a:endParaRPr lang="en-US"/>
           </a:p>
@@ -1051,7 +1053,7 @@
             <a:fld id="{50C0A67D-3799-6D49-B3EF-E582EBC7730D}" type="datetimeFigureOut">
               <a:rPr lang="en-US" smtClean="0"/>
               <a:pPr/>
-              <a:t>4/25/16</a:t>
+              <a:t>4/26/16</a:t>
             </a:fld>
             <a:endParaRPr lang="en-US"/>
           </a:p>
@@ -1336,7 +1338,7 @@
             <a:fld id="{50C0A67D-3799-6D49-B3EF-E582EBC7730D}" type="datetimeFigureOut">
               <a:rPr lang="en-US" smtClean="0"/>
               <a:pPr/>
-              <a:t>4/25/16</a:t>
+              <a:t>4/26/16</a:t>
             </a:fld>
             <a:endParaRPr lang="en-US"/>
           </a:p>
@@ -1755,7 +1757,7 @@
             <a:fld id="{50C0A67D-3799-6D49-B3EF-E582EBC7730D}" type="datetimeFigureOut">
               <a:rPr lang="en-US" smtClean="0"/>
               <a:pPr/>
-              <a:t>4/25/16</a:t>
+              <a:t>4/26/16</a:t>
             </a:fld>
             <a:endParaRPr lang="en-US"/>
           </a:p>
@@ -1870,7 +1872,7 @@
             <a:fld id="{50C0A67D-3799-6D49-B3EF-E582EBC7730D}" type="datetimeFigureOut">
               <a:rPr lang="en-US" smtClean="0"/>
               <a:pPr/>
-              <a:t>4/25/16</a:t>
+              <a:t>4/26/16</a:t>
             </a:fld>
             <a:endParaRPr lang="en-US"/>
           </a:p>
@@ -1962,7 +1964,7 @@
             <a:fld id="{50C0A67D-3799-6D49-B3EF-E582EBC7730D}" type="datetimeFigureOut">
               <a:rPr lang="en-US" smtClean="0"/>
               <a:pPr/>
-              <a:t>4/25/16</a:t>
+              <a:t>4/26/16</a:t>
             </a:fld>
             <a:endParaRPr lang="en-US"/>
           </a:p>
@@ -2236,7 +2238,7 @@
             <a:fld id="{50C0A67D-3799-6D49-B3EF-E582EBC7730D}" type="datetimeFigureOut">
               <a:rPr lang="en-US" smtClean="0"/>
               <a:pPr/>
-              <a:t>4/25/16</a:t>
+              <a:t>4/26/16</a:t>
             </a:fld>
             <a:endParaRPr lang="en-US"/>
           </a:p>
@@ -2486,7 +2488,7 @@
             <a:fld id="{50C0A67D-3799-6D49-B3EF-E582EBC7730D}" type="datetimeFigureOut">
               <a:rPr lang="en-US" smtClean="0"/>
               <a:pPr/>
-              <a:t>4/25/16</a:t>
+              <a:t>4/26/16</a:t>
             </a:fld>
             <a:endParaRPr lang="en-US"/>
           </a:p>
@@ -2696,7 +2698,7 @@
             <a:fld id="{50C0A67D-3799-6D49-B3EF-E582EBC7730D}" type="datetimeFigureOut">
               <a:rPr lang="en-US" smtClean="0"/>
               <a:pPr/>
-              <a:t>4/25/16</a:t>
+              <a:t>4/26/16</a:t>
             </a:fld>
             <a:endParaRPr lang="en-US"/>
           </a:p>
@@ -3077,16 +3079,21 @@
             <p:ph type="ctrTitle"/>
           </p:nvPr>
         </p:nvSpPr>
-        <p:spPr/>
-        <p:txBody>
-          <a:bodyPr/>
-          <a:lstStyle/>
-          <a:p>
-            <a:r>
-              <a:rPr lang="en-US" dirty="0" smtClean="0"/>
-              <a:t>Popcorn</a:t>
-            </a:r>
-            <a:endParaRPr lang="en-US" dirty="0"/>
+        <p:spPr>
+          <a:xfrm>
+            <a:off x="685800" y="2362200"/>
+            <a:ext cx="7772400" cy="1470025"/>
+          </a:xfrm>
+        </p:spPr>
+        <p:txBody>
+          <a:bodyPr/>
+          <a:lstStyle/>
+          <a:p>
+            <a:r>
+              <a:rPr lang="en-US" i="1" dirty="0" smtClean="0"/>
+              <a:t>Microwave Popcorn</a:t>
+            </a:r>
+            <a:endParaRPr lang="en-US" i="1" dirty="0"/>
           </a:p>
         </p:txBody>
       </p:sp>
@@ -3100,7 +3107,12 @@
             <p:ph type="subTitle" idx="1"/>
           </p:nvPr>
         </p:nvSpPr>
-        <p:spPr/>
+        <p:spPr>
+          <a:xfrm>
+            <a:off x="1371600" y="4648200"/>
+            <a:ext cx="6400800" cy="1752600"/>
+          </a:xfrm>
+        </p:spPr>
         <p:txBody>
           <a:bodyPr/>
           <a:lstStyle/>
@@ -3129,6 +3141,230 @@
               <a:rPr lang="en-US" dirty="0" smtClean="0"/>
               <a:t>-Clark</a:t>
             </a:r>
+          </a:p>
+        </p:txBody>
+      </p:sp>
+      <p:pic>
+        <p:nvPicPr>
+          <p:cNvPr id="5" name="Picture 4" descr="ci_logo-45a53602a81929fb632c669f9ff14f53.png"/>
+          <p:cNvPicPr>
+            <a:picLocks noChangeAspect="1"/>
+          </p:cNvPicPr>
+          <p:nvPr/>
+        </p:nvPicPr>
+        <p:blipFill>
+          <a:blip r:embed="rId2"/>
+          <a:stretch>
+            <a:fillRect/>
+          </a:stretch>
+        </p:blipFill>
+        <p:spPr>
+          <a:xfrm>
+            <a:off x="838200" y="457200"/>
+            <a:ext cx="7625750" cy="1981200"/>
+          </a:xfrm>
+          <a:prstGeom prst="rect">
+            <a:avLst/>
+          </a:prstGeom>
+        </p:spPr>
+      </p:pic>
+    </p:spTree>
+  </p:cSld>
+  <p:clrMapOvr>
+    <a:masterClrMapping/>
+  </p:clrMapOvr>
+</p:sld>
+</file>
+
+<file path=ppt/slides/slide10.xml><?xml version="1.0" encoding="utf-8"?>
+<p:sld xmlns:a="http://schemas.openxmlformats.org/drawingml/2006/main" xmlns:r="http://schemas.openxmlformats.org/officeDocument/2006/relationships" xmlns:mc="http://schemas.openxmlformats.org/markup-compatibility/2006" xmlns:mv="urn:schemas-microsoft-com:mac:vml" xmlns:p="http://schemas.openxmlformats.org/presentationml/2006/main" mc:Ignorable="mv" mc:PreserveAttributes="mv:*">
+  <p:cSld>
+    <p:spTree>
+      <p:nvGrpSpPr>
+        <p:cNvPr id="1" name=""/>
+        <p:cNvGrpSpPr/>
+        <p:nvPr/>
+      </p:nvGrpSpPr>
+      <p:grpSpPr>
+        <a:xfrm>
+          <a:off x="0" y="0"/>
+          <a:ext cx="0" cy="0"/>
+          <a:chOff x="0" y="0"/>
+          <a:chExt cx="0" cy="0"/>
+        </a:xfrm>
+      </p:grpSpPr>
+      <p:sp>
+        <p:nvSpPr>
+          <p:cNvPr id="2" name="Title 1"/>
+          <p:cNvSpPr>
+            <a:spLocks noGrp="1"/>
+          </p:cNvSpPr>
+          <p:nvPr>
+            <p:ph type="title"/>
+          </p:nvPr>
+        </p:nvSpPr>
+        <p:spPr/>
+        <p:txBody>
+          <a:bodyPr/>
+          <a:lstStyle/>
+          <a:p>
+            <a:r>
+              <a:rPr lang="en-US" dirty="0" smtClean="0"/>
+              <a:t>Conclusions</a:t>
+            </a:r>
+            <a:endParaRPr lang="en-US" dirty="0"/>
+          </a:p>
+        </p:txBody>
+      </p:sp>
+      <p:sp>
+        <p:nvSpPr>
+          <p:cNvPr id="3" name="Content Placeholder 2"/>
+          <p:cNvSpPr>
+            <a:spLocks noGrp="1"/>
+          </p:cNvSpPr>
+          <p:nvPr>
+            <p:ph idx="1"/>
+          </p:nvPr>
+        </p:nvSpPr>
+        <p:spPr/>
+        <p:txBody>
+          <a:bodyPr/>
+          <a:lstStyle/>
+          <a:p>
+            <a:r>
+              <a:rPr lang="en-US" dirty="0" smtClean="0"/>
+              <a:t>Fat didn’t make a difference (not expected)</a:t>
+            </a:r>
+          </a:p>
+          <a:p>
+            <a:r>
+              <a:rPr lang="en-US" dirty="0" smtClean="0"/>
+              <a:t>MOAR </a:t>
+            </a:r>
+            <a:r>
+              <a:rPr lang="en-US" dirty="0" smtClean="0"/>
+              <a:t>POWR == MOAR </a:t>
+            </a:r>
+            <a:r>
+              <a:rPr lang="en-US" dirty="0" smtClean="0"/>
+              <a:t>KORN (expected)</a:t>
+            </a:r>
+          </a:p>
+          <a:p>
+            <a:r>
+              <a:rPr lang="en-US" dirty="0" smtClean="0"/>
+              <a:t>Extremely large differences in microwaves</a:t>
+            </a:r>
+            <a:endParaRPr lang="en-US" dirty="0"/>
+          </a:p>
+        </p:txBody>
+      </p:sp>
+    </p:spTree>
+  </p:cSld>
+  <p:clrMapOvr>
+    <a:masterClrMapping/>
+  </p:clrMapOvr>
+</p:sld>
+</file>
+
+<file path=ppt/slides/slide11.xml><?xml version="1.0" encoding="utf-8"?>
+<p:sld xmlns:a="http://schemas.openxmlformats.org/drawingml/2006/main" xmlns:r="http://schemas.openxmlformats.org/officeDocument/2006/relationships" xmlns:mc="http://schemas.openxmlformats.org/markup-compatibility/2006" xmlns:mv="urn:schemas-microsoft-com:mac:vml" xmlns:p="http://schemas.openxmlformats.org/presentationml/2006/main" mc:Ignorable="mv" mc:PreserveAttributes="mv:*">
+  <p:cSld>
+    <p:spTree>
+      <p:nvGrpSpPr>
+        <p:cNvPr id="1" name=""/>
+        <p:cNvGrpSpPr/>
+        <p:nvPr/>
+      </p:nvGrpSpPr>
+      <p:grpSpPr>
+        <a:xfrm>
+          <a:off x="0" y="0"/>
+          <a:ext cx="0" cy="0"/>
+          <a:chOff x="0" y="0"/>
+          <a:chExt cx="0" cy="0"/>
+        </a:xfrm>
+      </p:grpSpPr>
+      <p:sp>
+        <p:nvSpPr>
+          <p:cNvPr id="2" name="Title 1"/>
+          <p:cNvSpPr>
+            <a:spLocks noGrp="1"/>
+          </p:cNvSpPr>
+          <p:nvPr>
+            <p:ph type="title"/>
+          </p:nvPr>
+        </p:nvSpPr>
+        <p:spPr/>
+        <p:txBody>
+          <a:bodyPr/>
+          <a:lstStyle/>
+          <a:p>
+            <a:r>
+              <a:rPr lang="en-US" dirty="0" smtClean="0"/>
+              <a:t>Recommendations</a:t>
+            </a:r>
+            <a:endParaRPr lang="en-US" dirty="0"/>
+          </a:p>
+        </p:txBody>
+      </p:sp>
+      <p:sp>
+        <p:nvSpPr>
+          <p:cNvPr id="3" name="Content Placeholder 2"/>
+          <p:cNvSpPr>
+            <a:spLocks noGrp="1"/>
+          </p:cNvSpPr>
+          <p:nvPr>
+            <p:ph idx="1"/>
+          </p:nvPr>
+        </p:nvSpPr>
+        <p:spPr/>
+        <p:txBody>
+          <a:bodyPr/>
+          <a:lstStyle/>
+          <a:p>
+            <a:r>
+              <a:rPr lang="en-US" dirty="0" smtClean="0"/>
+              <a:t>¼ </a:t>
+            </a:r>
+            <a:r>
+              <a:rPr lang="en-US" dirty="0" smtClean="0"/>
+              <a:t>cup kernels</a:t>
+            </a:r>
+          </a:p>
+          <a:p>
+            <a:r>
+              <a:rPr lang="en-US" dirty="0" smtClean="0"/>
+              <a:t>paper bag</a:t>
+            </a:r>
+          </a:p>
+          <a:p>
+            <a:r>
+              <a:rPr lang="en-US" dirty="0" smtClean="0"/>
+              <a:t>1 tbsp </a:t>
+            </a:r>
+            <a:r>
+              <a:rPr lang="en-US" dirty="0" smtClean="0"/>
+              <a:t>fat for flavor* (optional), salt</a:t>
+            </a:r>
+          </a:p>
+          <a:p>
+            <a:r>
+              <a:rPr lang="en-US" dirty="0" smtClean="0"/>
+              <a:t>~1.5 minutes on high (until popping stops)</a:t>
+            </a:r>
+          </a:p>
+          <a:p>
+            <a:endParaRPr lang="en-US" dirty="0" smtClean="0"/>
+          </a:p>
+          <a:p>
+            <a:pPr>
+              <a:buNone/>
+            </a:pPr>
+            <a:r>
+              <a:rPr lang="en-US" dirty="0" smtClean="0"/>
+              <a:t>* be careful not to burn butter</a:t>
+            </a:r>
+            <a:endParaRPr lang="en-US" dirty="0"/>
           </a:p>
         </p:txBody>
       </p:sp>
@@ -3197,7 +3433,7 @@
           <a:p>
             <a:r>
               <a:rPr lang="en-US" dirty="0" smtClean="0"/>
-              <a:t>Factorial</a:t>
+              <a:t>RCBD</a:t>
             </a:r>
             <a:endParaRPr lang="en-US" dirty="0"/>
           </a:p>
@@ -3268,9 +3504,29 @@
           <a:p>
             <a:r>
               <a:rPr lang="en-US" dirty="0" smtClean="0"/>
-              <a:t>Age, power, turntable</a:t>
-            </a:r>
-            <a:endParaRPr lang="en-US" dirty="0"/>
+              <a:t>1200W was </a:t>
+            </a:r>
+            <a:r>
+              <a:rPr lang="en-US" dirty="0" smtClean="0"/>
+              <a:t>~1yo; newest, highest power, best performance</a:t>
+            </a:r>
+          </a:p>
+          <a:p>
+            <a:r>
+              <a:rPr lang="en-US" dirty="0" smtClean="0"/>
+              <a:t>Older, less powerful had much worse outcomes</a:t>
+            </a:r>
+          </a:p>
+          <a:p>
+            <a:r>
+              <a:rPr lang="en-US" dirty="0" smtClean="0"/>
+              <a:t>All </a:t>
+            </a:r>
+            <a:r>
+              <a:rPr lang="en-US" dirty="0" smtClean="0"/>
+              <a:t>ovens used a turntable</a:t>
+            </a:r>
+            <a:endParaRPr lang="en-US" dirty="0" smtClean="0"/>
           </a:p>
         </p:txBody>
       </p:sp>
@@ -3339,7 +3595,17 @@
           <a:p>
             <a:r>
               <a:rPr lang="en-US" dirty="0" smtClean="0"/>
-              <a:t>Differences in ¼ cup ~ 400 kernels</a:t>
+              <a:t>Differences in ¼ cup ~ 400 </a:t>
+            </a:r>
+            <a:r>
+              <a:rPr lang="en-US" dirty="0" smtClean="0"/>
+              <a:t>kernels</a:t>
+            </a:r>
+          </a:p>
+          <a:p>
+            <a:r>
+              <a:rPr lang="en-US" dirty="0" smtClean="0"/>
+              <a:t>Do older ovens work properly/can we trust wattage?</a:t>
             </a:r>
             <a:endParaRPr lang="en-US" dirty="0"/>
           </a:p>
@@ -3850,35 +4116,36 @@
           <a:p>
             <a:r>
               <a:rPr lang="en-US" dirty="0" smtClean="0"/>
-              <a:t>Conclusions</a:t>
+              <a:t>Normality</a:t>
             </a:r>
             <a:endParaRPr lang="en-US" dirty="0"/>
           </a:p>
         </p:txBody>
       </p:sp>
-      <p:sp>
-        <p:nvSpPr>
-          <p:cNvPr id="3" name="Content Placeholder 2"/>
-          <p:cNvSpPr>
-            <a:spLocks noGrp="1"/>
-          </p:cNvSpPr>
-          <p:nvPr>
-            <p:ph idx="1"/>
-          </p:nvPr>
-        </p:nvSpPr>
-        <p:spPr/>
-        <p:txBody>
-          <a:bodyPr/>
-          <a:lstStyle/>
-          <a:p>
-            <a:r>
-              <a:rPr lang="en-US" dirty="0" smtClean="0"/>
-              <a:t>MOAR POWR == MOAR KORN</a:t>
-            </a:r>
-            <a:endParaRPr lang="en-US" dirty="0"/>
-          </a:p>
-        </p:txBody>
-      </p:sp>
+      <p:pic>
+        <p:nvPicPr>
+          <p:cNvPr id="4" name="Picture 3" descr="normal.png"/>
+          <p:cNvPicPr>
+            <a:picLocks noChangeAspect="1"/>
+          </p:cNvPicPr>
+          <p:nvPr/>
+        </p:nvPicPr>
+        <p:blipFill>
+          <a:blip r:embed="rId2"/>
+          <a:stretch>
+            <a:fillRect/>
+          </a:stretch>
+        </p:blipFill>
+        <p:spPr>
+          <a:xfrm>
+            <a:off x="0" y="1295400"/>
+            <a:ext cx="9144000" cy="5642043"/>
+          </a:xfrm>
+          <a:prstGeom prst="rect">
+            <a:avLst/>
+          </a:prstGeom>
+        </p:spPr>
+      </p:pic>
     </p:spTree>
   </p:cSld>
   <p:clrMapOvr>
@@ -3904,48 +4171,30 @@
           <a:chExt cx="0" cy="0"/>
         </a:xfrm>
       </p:grpSpPr>
-      <p:sp>
-        <p:nvSpPr>
-          <p:cNvPr id="2" name="Title 1"/>
-          <p:cNvSpPr>
-            <a:spLocks noGrp="1"/>
-          </p:cNvSpPr>
-          <p:nvPr>
-            <p:ph type="title"/>
-          </p:nvPr>
-        </p:nvSpPr>
-        <p:spPr/>
-        <p:txBody>
-          <a:bodyPr/>
-          <a:lstStyle/>
-          <a:p>
-            <a:r>
-              <a:rPr lang="en-US" dirty="0" smtClean="0"/>
-              <a:t>Recommendations</a:t>
-            </a:r>
-            <a:endParaRPr lang="en-US" dirty="0"/>
-          </a:p>
-        </p:txBody>
-      </p:sp>
-      <p:sp>
-        <p:nvSpPr>
-          <p:cNvPr id="3" name="Content Placeholder 2"/>
-          <p:cNvSpPr>
-            <a:spLocks noGrp="1"/>
-          </p:cNvSpPr>
-          <p:nvPr>
-            <p:ph idx="1"/>
-          </p:nvPr>
-        </p:nvSpPr>
-        <p:spPr/>
-        <p:txBody>
-          <a:bodyPr/>
-          <a:lstStyle/>
-          <a:p>
-            <a:endParaRPr lang="en-US"/>
-          </a:p>
-        </p:txBody>
-      </p:sp>
+      <p:pic>
+        <p:nvPicPr>
+          <p:cNvPr id="4" name="Picture 3" descr="boxplots.png"/>
+          <p:cNvPicPr>
+            <a:picLocks noChangeAspect="1"/>
+          </p:cNvPicPr>
+          <p:nvPr/>
+        </p:nvPicPr>
+        <p:blipFill>
+          <a:blip r:embed="rId2"/>
+          <a:stretch>
+            <a:fillRect/>
+          </a:stretch>
+        </p:blipFill>
+        <p:spPr>
+          <a:xfrm>
+            <a:off x="0" y="607978"/>
+            <a:ext cx="9144000" cy="5642043"/>
+          </a:xfrm>
+          <a:prstGeom prst="rect">
+            <a:avLst/>
+          </a:prstGeom>
+        </p:spPr>
+      </p:pic>
     </p:spTree>
   </p:cSld>
   <p:clrMapOvr>

--- a/project/thornton-clark-popcorn.pptx
+++ b/project/thornton-clark-popcorn.pptx
@@ -7,15 +7,17 @@
   <p:sldIdLst>
     <p:sldId id="256" r:id="rId2"/>
     <p:sldId id="259" r:id="rId3"/>
-    <p:sldId id="262" r:id="rId4"/>
-    <p:sldId id="263" r:id="rId5"/>
-    <p:sldId id="258" r:id="rId6"/>
-    <p:sldId id="257" r:id="rId7"/>
-    <p:sldId id="264" r:id="rId8"/>
-    <p:sldId id="265" r:id="rId9"/>
-    <p:sldId id="266" r:id="rId10"/>
-    <p:sldId id="261" r:id="rId11"/>
-    <p:sldId id="260" r:id="rId12"/>
+    <p:sldId id="258" r:id="rId4"/>
+    <p:sldId id="268" r:id="rId5"/>
+    <p:sldId id="265" r:id="rId6"/>
+    <p:sldId id="266" r:id="rId7"/>
+    <p:sldId id="267" r:id="rId8"/>
+    <p:sldId id="262" r:id="rId9"/>
+    <p:sldId id="263" r:id="rId10"/>
+    <p:sldId id="257" r:id="rId11"/>
+    <p:sldId id="264" r:id="rId12"/>
+    <p:sldId id="261" r:id="rId13"/>
+    <p:sldId id="260" r:id="rId14"/>
   </p:sldIdLst>
   <p:sldSz cx="9144000" cy="6858000" type="screen4x3"/>
   <p:notesSz cx="6858000" cy="9144000"/>
@@ -299,7 +301,7 @@
             <a:fld id="{50C0A67D-3799-6D49-B3EF-E582EBC7730D}" type="datetimeFigureOut">
               <a:rPr lang="en-US" smtClean="0"/>
               <a:pPr/>
-              <a:t>4/26/16</a:t>
+              <a:t>4/27/16</a:t>
             </a:fld>
             <a:endParaRPr lang="en-US"/>
           </a:p>
@@ -466,7 +468,7 @@
             <a:fld id="{50C0A67D-3799-6D49-B3EF-E582EBC7730D}" type="datetimeFigureOut">
               <a:rPr lang="en-US" smtClean="0"/>
               <a:pPr/>
-              <a:t>4/26/16</a:t>
+              <a:t>4/27/16</a:t>
             </a:fld>
             <a:endParaRPr lang="en-US"/>
           </a:p>
@@ -643,7 +645,7 @@
             <a:fld id="{50C0A67D-3799-6D49-B3EF-E582EBC7730D}" type="datetimeFigureOut">
               <a:rPr lang="en-US" smtClean="0"/>
               <a:pPr/>
-              <a:t>4/26/16</a:t>
+              <a:t>4/27/16</a:t>
             </a:fld>
             <a:endParaRPr lang="en-US"/>
           </a:p>
@@ -810,7 +812,7 @@
             <a:fld id="{50C0A67D-3799-6D49-B3EF-E582EBC7730D}" type="datetimeFigureOut">
               <a:rPr lang="en-US" smtClean="0"/>
               <a:pPr/>
-              <a:t>4/26/16</a:t>
+              <a:t>4/27/16</a:t>
             </a:fld>
             <a:endParaRPr lang="en-US"/>
           </a:p>
@@ -1053,7 +1055,7 @@
             <a:fld id="{50C0A67D-3799-6D49-B3EF-E582EBC7730D}" type="datetimeFigureOut">
               <a:rPr lang="en-US" smtClean="0"/>
               <a:pPr/>
-              <a:t>4/26/16</a:t>
+              <a:t>4/27/16</a:t>
             </a:fld>
             <a:endParaRPr lang="en-US"/>
           </a:p>
@@ -1338,7 +1340,7 @@
             <a:fld id="{50C0A67D-3799-6D49-B3EF-E582EBC7730D}" type="datetimeFigureOut">
               <a:rPr lang="en-US" smtClean="0"/>
               <a:pPr/>
-              <a:t>4/26/16</a:t>
+              <a:t>4/27/16</a:t>
             </a:fld>
             <a:endParaRPr lang="en-US"/>
           </a:p>
@@ -1757,7 +1759,7 @@
             <a:fld id="{50C0A67D-3799-6D49-B3EF-E582EBC7730D}" type="datetimeFigureOut">
               <a:rPr lang="en-US" smtClean="0"/>
               <a:pPr/>
-              <a:t>4/26/16</a:t>
+              <a:t>4/27/16</a:t>
             </a:fld>
             <a:endParaRPr lang="en-US"/>
           </a:p>
@@ -1872,7 +1874,7 @@
             <a:fld id="{50C0A67D-3799-6D49-B3EF-E582EBC7730D}" type="datetimeFigureOut">
               <a:rPr lang="en-US" smtClean="0"/>
               <a:pPr/>
-              <a:t>4/26/16</a:t>
+              <a:t>4/27/16</a:t>
             </a:fld>
             <a:endParaRPr lang="en-US"/>
           </a:p>
@@ -1964,7 +1966,7 @@
             <a:fld id="{50C0A67D-3799-6D49-B3EF-E582EBC7730D}" type="datetimeFigureOut">
               <a:rPr lang="en-US" smtClean="0"/>
               <a:pPr/>
-              <a:t>4/26/16</a:t>
+              <a:t>4/27/16</a:t>
             </a:fld>
             <a:endParaRPr lang="en-US"/>
           </a:p>
@@ -2238,7 +2240,7 @@
             <a:fld id="{50C0A67D-3799-6D49-B3EF-E582EBC7730D}" type="datetimeFigureOut">
               <a:rPr lang="en-US" smtClean="0"/>
               <a:pPr/>
-              <a:t>4/26/16</a:t>
+              <a:t>4/27/16</a:t>
             </a:fld>
             <a:endParaRPr lang="en-US"/>
           </a:p>
@@ -2488,7 +2490,7 @@
             <a:fld id="{50C0A67D-3799-6D49-B3EF-E582EBC7730D}" type="datetimeFigureOut">
               <a:rPr lang="en-US" smtClean="0"/>
               <a:pPr/>
-              <a:t>4/26/16</a:t>
+              <a:t>4/27/16</a:t>
             </a:fld>
             <a:endParaRPr lang="en-US"/>
           </a:p>
@@ -2698,7 +2700,7 @@
             <a:fld id="{50C0A67D-3799-6D49-B3EF-E582EBC7730D}" type="datetimeFigureOut">
               <a:rPr lang="en-US" smtClean="0"/>
               <a:pPr/>
-              <a:t>4/26/16</a:t>
+              <a:t>4/27/16</a:t>
             </a:fld>
             <a:endParaRPr lang="en-US"/>
           </a:p>
@@ -3210,55 +3212,36 @@
           <a:p>
             <a:r>
               <a:rPr lang="en-US" dirty="0" smtClean="0"/>
-              <a:t>Conclusions</a:t>
+              <a:t>Counting</a:t>
             </a:r>
             <a:endParaRPr lang="en-US" dirty="0"/>
           </a:p>
         </p:txBody>
       </p:sp>
-      <p:sp>
-        <p:nvSpPr>
-          <p:cNvPr id="3" name="Content Placeholder 2"/>
-          <p:cNvSpPr>
-            <a:spLocks noGrp="1"/>
-          </p:cNvSpPr>
-          <p:nvPr>
-            <p:ph idx="1"/>
-          </p:nvPr>
-        </p:nvSpPr>
-        <p:spPr/>
-        <p:txBody>
-          <a:bodyPr/>
-          <a:lstStyle/>
-          <a:p>
-            <a:r>
-              <a:rPr lang="en-US" dirty="0" smtClean="0"/>
-              <a:t>Fat didn’t make a difference (not expected)</a:t>
-            </a:r>
-          </a:p>
-          <a:p>
-            <a:r>
-              <a:rPr lang="en-US" dirty="0" smtClean="0"/>
-              <a:t>MOAR </a:t>
-            </a:r>
-            <a:r>
-              <a:rPr lang="en-US" dirty="0" smtClean="0"/>
-              <a:t>POWR == MOAR </a:t>
-            </a:r>
-            <a:r>
-              <a:rPr lang="en-US" dirty="0" smtClean="0"/>
-              <a:t>KORN (expected)</a:t>
-            </a:r>
-          </a:p>
-          <a:p>
-            <a:r>
-              <a:rPr lang="en-US" dirty="0" smtClean="0"/>
-              <a:t>Extremely large differences in microwaves</a:t>
-            </a:r>
-            <a:endParaRPr lang="en-US" dirty="0"/>
-          </a:p>
-        </p:txBody>
-      </p:sp>
+      <p:pic>
+        <p:nvPicPr>
+          <p:cNvPr id="5" name="Picture 4" descr="16 - 1 (5).jpg"/>
+          <p:cNvPicPr>
+            <a:picLocks noChangeAspect="1"/>
+          </p:cNvPicPr>
+          <p:nvPr/>
+        </p:nvPicPr>
+        <p:blipFill>
+          <a:blip r:embed="rId2"/>
+          <a:stretch>
+            <a:fillRect/>
+          </a:stretch>
+        </p:blipFill>
+        <p:spPr>
+          <a:xfrm>
+            <a:off x="762000" y="1417638"/>
+            <a:ext cx="7239000" cy="5429250"/>
+          </a:xfrm>
+          <a:prstGeom prst="rect">
+            <a:avLst/>
+          </a:prstGeom>
+        </p:spPr>
+      </p:pic>
     </p:spTree>
   </p:cSld>
   <p:clrMapOvr>
@@ -3301,8 +3284,148 @@
           <a:p>
             <a:r>
               <a:rPr lang="en-US" dirty="0" smtClean="0"/>
+              <a:t>Calculations</a:t>
+            </a:r>
+            <a:endParaRPr lang="en-US" dirty="0"/>
+          </a:p>
+        </p:txBody>
+      </p:sp>
+    </p:spTree>
+  </p:cSld>
+  <p:clrMapOvr>
+    <a:masterClrMapping/>
+  </p:clrMapOvr>
+</p:sld>
+</file>
+
+<file path=ppt/slides/slide12.xml><?xml version="1.0" encoding="utf-8"?>
+<p:sld xmlns:a="http://schemas.openxmlformats.org/drawingml/2006/main" xmlns:r="http://schemas.openxmlformats.org/officeDocument/2006/relationships" xmlns:mc="http://schemas.openxmlformats.org/markup-compatibility/2006" xmlns:mv="urn:schemas-microsoft-com:mac:vml" xmlns:p="http://schemas.openxmlformats.org/presentationml/2006/main" mc:Ignorable="mv" mc:PreserveAttributes="mv:*">
+  <p:cSld>
+    <p:spTree>
+      <p:nvGrpSpPr>
+        <p:cNvPr id="1" name=""/>
+        <p:cNvGrpSpPr/>
+        <p:nvPr/>
+      </p:nvGrpSpPr>
+      <p:grpSpPr>
+        <a:xfrm>
+          <a:off x="0" y="0"/>
+          <a:ext cx="0" cy="0"/>
+          <a:chOff x="0" y="0"/>
+          <a:chExt cx="0" cy="0"/>
+        </a:xfrm>
+      </p:grpSpPr>
+      <p:sp>
+        <p:nvSpPr>
+          <p:cNvPr id="2" name="Title 1"/>
+          <p:cNvSpPr>
+            <a:spLocks noGrp="1"/>
+          </p:cNvSpPr>
+          <p:nvPr>
+            <p:ph type="title"/>
+          </p:nvPr>
+        </p:nvSpPr>
+        <p:spPr/>
+        <p:txBody>
+          <a:bodyPr/>
+          <a:lstStyle/>
+          <a:p>
+            <a:r>
+              <a:rPr lang="en-US" dirty="0" smtClean="0"/>
+              <a:t>Conclusions</a:t>
+            </a:r>
+            <a:endParaRPr lang="en-US" dirty="0"/>
+          </a:p>
+        </p:txBody>
+      </p:sp>
+      <p:sp>
+        <p:nvSpPr>
+          <p:cNvPr id="3" name="Content Placeholder 2"/>
+          <p:cNvSpPr>
+            <a:spLocks noGrp="1"/>
+          </p:cNvSpPr>
+          <p:nvPr>
+            <p:ph idx="1"/>
+          </p:nvPr>
+        </p:nvSpPr>
+        <p:spPr/>
+        <p:txBody>
+          <a:bodyPr/>
+          <a:lstStyle/>
+          <a:p>
+            <a:r>
+              <a:rPr lang="en-US" dirty="0" smtClean="0"/>
+              <a:t>Fat didn’t make a difference (not expected)</a:t>
+            </a:r>
+          </a:p>
+          <a:p>
+            <a:r>
+              <a:rPr lang="en-US" dirty="0" smtClean="0"/>
+              <a:t>MOAR POWR == MOAR KORN (expected)</a:t>
+            </a:r>
+          </a:p>
+          <a:p>
+            <a:r>
+              <a:rPr lang="en-US" dirty="0" smtClean="0"/>
+              <a:t>Extremely large differences in microwaves</a:t>
+            </a:r>
+            <a:endParaRPr lang="en-US" dirty="0"/>
+          </a:p>
+        </p:txBody>
+      </p:sp>
+    </p:spTree>
+  </p:cSld>
+  <p:clrMapOvr>
+    <a:masterClrMapping/>
+  </p:clrMapOvr>
+</p:sld>
+</file>
+
+<file path=ppt/slides/slide13.xml><?xml version="1.0" encoding="utf-8"?>
+<p:sld xmlns:a="http://schemas.openxmlformats.org/drawingml/2006/main" xmlns:r="http://schemas.openxmlformats.org/officeDocument/2006/relationships" xmlns:mc="http://schemas.openxmlformats.org/markup-compatibility/2006" xmlns:mv="urn:schemas-microsoft-com:mac:vml" xmlns:p="http://schemas.openxmlformats.org/presentationml/2006/main" mc:Ignorable="mv" mc:PreserveAttributes="mv:*">
+  <p:cSld>
+    <p:spTree>
+      <p:nvGrpSpPr>
+        <p:cNvPr id="1" name=""/>
+        <p:cNvGrpSpPr/>
+        <p:nvPr/>
+      </p:nvGrpSpPr>
+      <p:grpSpPr>
+        <a:xfrm>
+          <a:off x="0" y="0"/>
+          <a:ext cx="0" cy="0"/>
+          <a:chOff x="0" y="0"/>
+          <a:chExt cx="0" cy="0"/>
+        </a:xfrm>
+      </p:grpSpPr>
+      <p:sp>
+        <p:nvSpPr>
+          <p:cNvPr id="2" name="Title 1"/>
+          <p:cNvSpPr>
+            <a:spLocks noGrp="1"/>
+          </p:cNvSpPr>
+          <p:nvPr>
+            <p:ph type="title"/>
+          </p:nvPr>
+        </p:nvSpPr>
+        <p:spPr/>
+        <p:txBody>
+          <a:bodyPr>
+            <a:normAutofit fontScale="90000"/>
+          </a:bodyPr>
+          <a:lstStyle/>
+          <a:p>
+            <a:r>
+              <a:rPr lang="en-US" dirty="0" smtClean="0"/>
               <a:t>Recommendations</a:t>
             </a:r>
+            <a:br>
+              <a:rPr lang="en-US" dirty="0" smtClean="0"/>
+            </a:br>
+            <a:r>
+              <a:rPr lang="en-US" dirty="0" smtClean="0"/>
+              <a:t>(The Best Recipe)</a:t>
+            </a:r>
             <a:endParaRPr lang="en-US" dirty="0"/>
           </a:p>
         </p:txBody>
@@ -3324,11 +3447,7 @@
           <a:p>
             <a:r>
               <a:rPr lang="en-US" dirty="0" smtClean="0"/>
-              <a:t>¼ </a:t>
-            </a:r>
-            <a:r>
-              <a:rPr lang="en-US" dirty="0" smtClean="0"/>
-              <a:t>cup kernels</a:t>
+              <a:t>¼ cup kernels</a:t>
             </a:r>
           </a:p>
           <a:p>
@@ -3340,11 +3459,7 @@
           <a:p>
             <a:r>
               <a:rPr lang="en-US" dirty="0" smtClean="0"/>
-              <a:t>1 tbsp </a:t>
-            </a:r>
-            <a:r>
-              <a:rPr lang="en-US" dirty="0" smtClean="0"/>
-              <a:t>fat for flavor* (optional), salt</a:t>
+              <a:t>1 tbsp fat for flavor* (optional), salt</a:t>
             </a:r>
           </a:p>
           <a:p>
@@ -3416,26 +3531,61 @@
           </a:p>
         </p:txBody>
       </p:sp>
-      <p:sp>
-        <p:nvSpPr>
-          <p:cNvPr id="3" name="Content Placeholder 2"/>
-          <p:cNvSpPr>
-            <a:spLocks noGrp="1"/>
-          </p:cNvSpPr>
-          <p:nvPr>
-            <p:ph idx="1"/>
-          </p:nvPr>
-        </p:nvSpPr>
-        <p:spPr/>
-        <p:txBody>
-          <a:bodyPr/>
+      <p:pic>
+        <p:nvPicPr>
+          <p:cNvPr id="4" name="Picture 3" descr="Screen Shot 2016-04-27 at 1.22.12 PM.png"/>
+          <p:cNvPicPr>
+            <a:picLocks noChangeAspect="1"/>
+          </p:cNvPicPr>
+          <p:nvPr/>
+        </p:nvPicPr>
+        <p:blipFill>
+          <a:blip r:embed="rId2"/>
+          <a:stretch>
+            <a:fillRect/>
+          </a:stretch>
+        </p:blipFill>
+        <p:spPr>
+          <a:xfrm>
+            <a:off x="1143000" y="1352550"/>
+            <a:ext cx="7041013" cy="4623316"/>
+          </a:xfrm>
+          <a:prstGeom prst="rect">
+            <a:avLst/>
+          </a:prstGeom>
+        </p:spPr>
+      </p:pic>
+      <p:sp>
+        <p:nvSpPr>
+          <p:cNvPr id="5" name="TextBox 4"/>
+          <p:cNvSpPr txBox="1"/>
+          <p:nvPr/>
+        </p:nvSpPr>
+        <p:spPr>
+          <a:xfrm>
+            <a:off x="2952750" y="5975866"/>
+            <a:ext cx="3086100" cy="369332"/>
+          </a:xfrm>
+          <a:prstGeom prst="rect">
+            <a:avLst/>
+          </a:prstGeom>
+          <a:noFill/>
+        </p:spPr>
+        <p:txBody>
+          <a:bodyPr wrap="square" rtlCol="0">
+            <a:spAutoFit/>
+          </a:bodyPr>
           <a:lstStyle/>
           <a:p>
             <a:r>
               <a:rPr lang="en-US" dirty="0" smtClean="0"/>
-              <a:t>RCBD</a:t>
-            </a:r>
-            <a:endParaRPr lang="en-US" dirty="0"/>
+              <a:t>2-factor fixed effect factorial</a:t>
+            </a:r>
+            <a:r>
+              <a:rPr lang="en-US" dirty="0" smtClean="0"/>
+              <a:t> </a:t>
+            </a:r>
+            <a:endParaRPr lang="en-US" dirty="0" smtClean="0"/>
           </a:p>
         </p:txBody>
       </p:sp>
@@ -3448,178 +3598,6 @@
 </file>
 
 <file path=ppt/slides/slide3.xml><?xml version="1.0" encoding="utf-8"?>
-<p:sld xmlns:a="http://schemas.openxmlformats.org/drawingml/2006/main" xmlns:r="http://schemas.openxmlformats.org/officeDocument/2006/relationships" xmlns:mc="http://schemas.openxmlformats.org/markup-compatibility/2006" xmlns:mv="urn:schemas-microsoft-com:mac:vml" xmlns:p="http://schemas.openxmlformats.org/presentationml/2006/main" mc:Ignorable="mv" mc:PreserveAttributes="mv:*">
-  <p:cSld>
-    <p:spTree>
-      <p:nvGrpSpPr>
-        <p:cNvPr id="1" name=""/>
-        <p:cNvGrpSpPr/>
-        <p:nvPr/>
-      </p:nvGrpSpPr>
-      <p:grpSpPr>
-        <a:xfrm>
-          <a:off x="0" y="0"/>
-          <a:ext cx="0" cy="0"/>
-          <a:chOff x="0" y="0"/>
-          <a:chExt cx="0" cy="0"/>
-        </a:xfrm>
-      </p:grpSpPr>
-      <p:sp>
-        <p:nvSpPr>
-          <p:cNvPr id="2" name="Title 1"/>
-          <p:cNvSpPr>
-            <a:spLocks noGrp="1"/>
-          </p:cNvSpPr>
-          <p:nvPr>
-            <p:ph type="title"/>
-          </p:nvPr>
-        </p:nvSpPr>
-        <p:spPr/>
-        <p:txBody>
-          <a:bodyPr/>
-          <a:lstStyle/>
-          <a:p>
-            <a:r>
-              <a:rPr lang="en-US" dirty="0" smtClean="0"/>
-              <a:t>Microwaves</a:t>
-            </a:r>
-            <a:endParaRPr lang="en-US" dirty="0"/>
-          </a:p>
-        </p:txBody>
-      </p:sp>
-      <p:sp>
-        <p:nvSpPr>
-          <p:cNvPr id="3" name="Content Placeholder 2"/>
-          <p:cNvSpPr>
-            <a:spLocks noGrp="1"/>
-          </p:cNvSpPr>
-          <p:nvPr>
-            <p:ph idx="1"/>
-          </p:nvPr>
-        </p:nvSpPr>
-        <p:spPr/>
-        <p:txBody>
-          <a:bodyPr/>
-          <a:lstStyle/>
-          <a:p>
-            <a:r>
-              <a:rPr lang="en-US" dirty="0" smtClean="0"/>
-              <a:t>1200W was </a:t>
-            </a:r>
-            <a:r>
-              <a:rPr lang="en-US" dirty="0" smtClean="0"/>
-              <a:t>~1yo; newest, highest power, best performance</a:t>
-            </a:r>
-          </a:p>
-          <a:p>
-            <a:r>
-              <a:rPr lang="en-US" dirty="0" smtClean="0"/>
-              <a:t>Older, less powerful had much worse outcomes</a:t>
-            </a:r>
-          </a:p>
-          <a:p>
-            <a:r>
-              <a:rPr lang="en-US" dirty="0" smtClean="0"/>
-              <a:t>All </a:t>
-            </a:r>
-            <a:r>
-              <a:rPr lang="en-US" dirty="0" smtClean="0"/>
-              <a:t>ovens used a turntable</a:t>
-            </a:r>
-            <a:endParaRPr lang="en-US" dirty="0" smtClean="0"/>
-          </a:p>
-        </p:txBody>
-      </p:sp>
-    </p:spTree>
-  </p:cSld>
-  <p:clrMapOvr>
-    <a:masterClrMapping/>
-  </p:clrMapOvr>
-</p:sld>
-</file>
-
-<file path=ppt/slides/slide4.xml><?xml version="1.0" encoding="utf-8"?>
-<p:sld xmlns:a="http://schemas.openxmlformats.org/drawingml/2006/main" xmlns:r="http://schemas.openxmlformats.org/officeDocument/2006/relationships" xmlns:mc="http://schemas.openxmlformats.org/markup-compatibility/2006" xmlns:mv="urn:schemas-microsoft-com:mac:vml" xmlns:p="http://schemas.openxmlformats.org/presentationml/2006/main" mc:Ignorable="mv" mc:PreserveAttributes="mv:*">
-  <p:cSld>
-    <p:spTree>
-      <p:nvGrpSpPr>
-        <p:cNvPr id="1" name=""/>
-        <p:cNvGrpSpPr/>
-        <p:nvPr/>
-      </p:nvGrpSpPr>
-      <p:grpSpPr>
-        <a:xfrm>
-          <a:off x="0" y="0"/>
-          <a:ext cx="0" cy="0"/>
-          <a:chOff x="0" y="0"/>
-          <a:chExt cx="0" cy="0"/>
-        </a:xfrm>
-      </p:grpSpPr>
-      <p:sp>
-        <p:nvSpPr>
-          <p:cNvPr id="2" name="Title 1"/>
-          <p:cNvSpPr>
-            <a:spLocks noGrp="1"/>
-          </p:cNvSpPr>
-          <p:nvPr>
-            <p:ph type="title"/>
-          </p:nvPr>
-        </p:nvSpPr>
-        <p:spPr/>
-        <p:txBody>
-          <a:bodyPr/>
-          <a:lstStyle/>
-          <a:p>
-            <a:r>
-              <a:rPr lang="en-US" dirty="0" smtClean="0"/>
-              <a:t>Potential Errors</a:t>
-            </a:r>
-            <a:endParaRPr lang="en-US" dirty="0"/>
-          </a:p>
-        </p:txBody>
-      </p:sp>
-      <p:sp>
-        <p:nvSpPr>
-          <p:cNvPr id="3" name="Content Placeholder 2"/>
-          <p:cNvSpPr>
-            <a:spLocks noGrp="1"/>
-          </p:cNvSpPr>
-          <p:nvPr>
-            <p:ph idx="1"/>
-          </p:nvPr>
-        </p:nvSpPr>
-        <p:spPr/>
-        <p:txBody>
-          <a:bodyPr/>
-          <a:lstStyle/>
-          <a:p>
-            <a:r>
-              <a:rPr lang="en-US" dirty="0" smtClean="0"/>
-              <a:t>Differences in ¼ cup ~ 400 </a:t>
-            </a:r>
-            <a:r>
-              <a:rPr lang="en-US" dirty="0" smtClean="0"/>
-              <a:t>kernels</a:t>
-            </a:r>
-          </a:p>
-          <a:p>
-            <a:r>
-              <a:rPr lang="en-US" dirty="0" smtClean="0"/>
-              <a:t>Do older ovens work properly/can we trust wattage?</a:t>
-            </a:r>
-            <a:endParaRPr lang="en-US" dirty="0"/>
-          </a:p>
-        </p:txBody>
-      </p:sp>
-    </p:spTree>
-  </p:cSld>
-  <p:clrMapOvr>
-    <a:masterClrMapping/>
-  </p:clrMapOvr>
-</p:sld>
-</file>
-
-<file path=ppt/slides/slide5.xml><?xml version="1.0" encoding="utf-8"?>
 <p:sld xmlns:a="http://schemas.openxmlformats.org/drawingml/2006/main" xmlns:r="http://schemas.openxmlformats.org/officeDocument/2006/relationships" xmlns:mc="http://schemas.openxmlformats.org/markup-compatibility/2006" xmlns:mv="urn:schemas-microsoft-com:mac:vml" xmlns:p="http://schemas.openxmlformats.org/presentationml/2006/main" mc:Ignorable="mv" mc:PreserveAttributes="mv:*">
   <p:cSld>
     <p:spTree>
@@ -3691,7 +3669,7 @@
 </p:sld>
 </file>
 
-<file path=ppt/slides/slide6.xml><?xml version="1.0" encoding="utf-8"?>
+<file path=ppt/slides/slide4.xml><?xml version="1.0" encoding="utf-8"?>
 <p:sld xmlns:a="http://schemas.openxmlformats.org/drawingml/2006/main" xmlns:r="http://schemas.openxmlformats.org/officeDocument/2006/relationships" xmlns:mc="http://schemas.openxmlformats.org/markup-compatibility/2006" xmlns:mv="urn:schemas-microsoft-com:mac:vml" xmlns:p="http://schemas.openxmlformats.org/presentationml/2006/main" mc:Ignorable="mv" mc:PreserveAttributes="mv:*">
   <p:cSld>
     <p:spTree>
@@ -3725,7 +3703,7 @@
           <a:p>
             <a:r>
               <a:rPr lang="en-US" dirty="0" smtClean="0"/>
-              <a:t>Counting</a:t>
+              <a:t>ANOVA</a:t>
             </a:r>
             <a:endParaRPr lang="en-US" dirty="0"/>
           </a:p>
@@ -3733,7 +3711,7 @@
       </p:sp>
       <p:pic>
         <p:nvPicPr>
-          <p:cNvPr id="5" name="Picture 4" descr="16 - 1 (5).jpg"/>
+          <p:cNvPr id="7" name="Picture 6" descr="anova.PNG"/>
           <p:cNvPicPr>
             <a:picLocks noChangeAspect="1"/>
           </p:cNvPicPr>
@@ -3747,8 +3725,8 @@
         </p:blipFill>
         <p:spPr>
           <a:xfrm>
-            <a:off x="762000" y="1417638"/>
-            <a:ext cx="7239000" cy="5429250"/>
+            <a:off x="1600200" y="1417638"/>
+            <a:ext cx="5791200" cy="5022056"/>
           </a:xfrm>
           <a:prstGeom prst="rect">
             <a:avLst/>
@@ -3763,326 +3741,7 @@
 </p:sld>
 </file>
 
-<file path=ppt/slides/slide7.xml><?xml version="1.0" encoding="utf-8"?>
-<p:sld xmlns:a="http://schemas.openxmlformats.org/drawingml/2006/main" xmlns:r="http://schemas.openxmlformats.org/officeDocument/2006/relationships" xmlns:mc="http://schemas.openxmlformats.org/markup-compatibility/2006" xmlns:mv="urn:schemas-microsoft-com:mac:vml" xmlns:p="http://schemas.openxmlformats.org/presentationml/2006/main" mc:Ignorable="mv" mc:PreserveAttributes="mv:*">
-  <p:cSld>
-    <p:spTree>
-      <p:nvGrpSpPr>
-        <p:cNvPr id="1" name=""/>
-        <p:cNvGrpSpPr/>
-        <p:nvPr/>
-      </p:nvGrpSpPr>
-      <p:grpSpPr>
-        <a:xfrm>
-          <a:off x="0" y="0"/>
-          <a:ext cx="0" cy="0"/>
-          <a:chOff x="0" y="0"/>
-          <a:chExt cx="0" cy="0"/>
-        </a:xfrm>
-      </p:grpSpPr>
-      <p:sp>
-        <p:nvSpPr>
-          <p:cNvPr id="2" name="Title 1"/>
-          <p:cNvSpPr>
-            <a:spLocks noGrp="1"/>
-          </p:cNvSpPr>
-          <p:nvPr>
-            <p:ph type="title"/>
-          </p:nvPr>
-        </p:nvSpPr>
-        <p:spPr/>
-        <p:txBody>
-          <a:bodyPr/>
-          <a:lstStyle/>
-          <a:p>
-            <a:r>
-              <a:rPr lang="en-US" dirty="0" smtClean="0"/>
-              <a:t>Calculations</a:t>
-            </a:r>
-            <a:endParaRPr lang="en-US" dirty="0"/>
-          </a:p>
-        </p:txBody>
-      </p:sp>
-      <p:sp>
-        <p:nvSpPr>
-          <p:cNvPr id="5" name="TextBox 4"/>
-          <p:cNvSpPr txBox="1"/>
-          <p:nvPr/>
-        </p:nvSpPr>
-        <p:spPr>
-          <a:xfrm>
-            <a:off x="457200" y="1417638"/>
-            <a:ext cx="8458200" cy="4770537"/>
-          </a:xfrm>
-          <a:prstGeom prst="rect">
-            <a:avLst/>
-          </a:prstGeom>
-          <a:noFill/>
-        </p:spPr>
-        <p:txBody>
-          <a:bodyPr wrap="square" rtlCol="0">
-            <a:spAutoFit/>
-          </a:bodyPr>
-          <a:lstStyle/>
-          <a:p>
-            <a:r>
-              <a:rPr lang="en-US" sz="1600" dirty="0" err="1" smtClean="0">
-                <a:latin typeface="Hack"/>
-              </a:rPr>
-              <a:t>unpopped</a:t>
-            </a:r>
-            <a:r>
-              <a:rPr lang="en-US" sz="1600" dirty="0" smtClean="0">
-                <a:latin typeface="Hack"/>
-              </a:rPr>
-              <a:t> = c(332,338,320,389,398,411,88,113,88,277,268,</a:t>
-            </a:r>
-          </a:p>
-          <a:p>
-            <a:r>
-              <a:rPr lang="en-US" sz="1600" dirty="0" smtClean="0">
-                <a:latin typeface="Hack"/>
-              </a:rPr>
-              <a:t>283,379,381,394,84,100,127,262,295,288,388,371,369,248,86,108)</a:t>
-            </a:r>
-          </a:p>
-          <a:p>
-            <a:endParaRPr lang="en-US" sz="1600" dirty="0" smtClean="0">
-              <a:latin typeface="Hack"/>
-            </a:endParaRPr>
-          </a:p>
-          <a:p>
-            <a:r>
-              <a:rPr lang="en-US" sz="1600" dirty="0" smtClean="0">
-                <a:latin typeface="Hack"/>
-              </a:rPr>
-              <a:t>additive = </a:t>
-            </a:r>
-            <a:r>
-              <a:rPr lang="en-US" sz="1600" dirty="0" err="1" smtClean="0">
-                <a:latin typeface="Hack"/>
-              </a:rPr>
-              <a:t>c(rep("none</a:t>
-            </a:r>
-            <a:r>
-              <a:rPr lang="en-US" sz="1600" dirty="0" smtClean="0">
-                <a:latin typeface="Hack"/>
-              </a:rPr>
-              <a:t>", 9), </a:t>
-            </a:r>
-            <a:r>
-              <a:rPr lang="en-US" sz="1600" dirty="0" err="1" smtClean="0">
-                <a:latin typeface="Hack"/>
-              </a:rPr>
-              <a:t>rep("olive</a:t>
-            </a:r>
-            <a:r>
-              <a:rPr lang="en-US" sz="1600" dirty="0" smtClean="0">
-                <a:latin typeface="Hack"/>
-              </a:rPr>
-              <a:t>", 9), </a:t>
-            </a:r>
-            <a:r>
-              <a:rPr lang="en-US" sz="1600" dirty="0" err="1" smtClean="0">
-                <a:latin typeface="Hack"/>
-              </a:rPr>
-              <a:t>rep("butter</a:t>
-            </a:r>
-            <a:r>
-              <a:rPr lang="en-US" sz="1600" dirty="0" smtClean="0">
-                <a:latin typeface="Hack"/>
-              </a:rPr>
-              <a:t>", 9))</a:t>
-            </a:r>
-          </a:p>
-          <a:p>
-            <a:endParaRPr lang="en-US" sz="1600" dirty="0" smtClean="0">
-              <a:latin typeface="Hack"/>
-            </a:endParaRPr>
-          </a:p>
-          <a:p>
-            <a:r>
-              <a:rPr lang="en-US" sz="1600" dirty="0" smtClean="0">
-                <a:latin typeface="Hack"/>
-              </a:rPr>
-              <a:t>power = rep(c(rep("900", 3), rep("1000", 3), rep("1200", 3)), 3)</a:t>
-            </a:r>
-          </a:p>
-          <a:p>
-            <a:endParaRPr lang="en-US" sz="1600" dirty="0" smtClean="0">
-              <a:latin typeface="Hack"/>
-            </a:endParaRPr>
-          </a:p>
-          <a:p>
-            <a:r>
-              <a:rPr lang="en-US" sz="1600" dirty="0" err="1" smtClean="0">
-                <a:latin typeface="Hack"/>
-              </a:rPr>
-              <a:t>dat</a:t>
-            </a:r>
-            <a:r>
-              <a:rPr lang="en-US" sz="1600" dirty="0" smtClean="0">
-                <a:latin typeface="Hack"/>
-              </a:rPr>
-              <a:t> = </a:t>
-            </a:r>
-            <a:r>
-              <a:rPr lang="en-US" sz="1600" dirty="0" err="1" smtClean="0">
-                <a:latin typeface="Hack"/>
-              </a:rPr>
-              <a:t>data.frame(additives</a:t>
-            </a:r>
-            <a:r>
-              <a:rPr lang="en-US" sz="1600" dirty="0" smtClean="0">
-                <a:latin typeface="Hack"/>
-              </a:rPr>
-              <a:t>, power, </a:t>
-            </a:r>
-            <a:r>
-              <a:rPr lang="en-US" sz="1600" dirty="0" err="1" smtClean="0">
-                <a:latin typeface="Hack"/>
-              </a:rPr>
-              <a:t>unpopped</a:t>
-            </a:r>
-            <a:r>
-              <a:rPr lang="en-US" sz="1600" dirty="0" smtClean="0">
-                <a:latin typeface="Hack"/>
-              </a:rPr>
-              <a:t>)</a:t>
-            </a:r>
-          </a:p>
-          <a:p>
-            <a:endParaRPr lang="en-US" sz="1600" dirty="0" smtClean="0">
-              <a:latin typeface="Hack"/>
-            </a:endParaRPr>
-          </a:p>
-          <a:p>
-            <a:r>
-              <a:rPr lang="en-US" sz="1600" dirty="0" smtClean="0">
-                <a:latin typeface="Hack"/>
-              </a:rPr>
-              <a:t>mod = </a:t>
-            </a:r>
-            <a:r>
-              <a:rPr lang="en-US" sz="1600" dirty="0" err="1" smtClean="0">
-                <a:latin typeface="Hack"/>
-              </a:rPr>
-              <a:t>aov(unpopped</a:t>
-            </a:r>
-            <a:r>
-              <a:rPr lang="en-US" sz="1600" dirty="0" smtClean="0">
-                <a:latin typeface="Hack"/>
-              </a:rPr>
-              <a:t> ~ additive * power, </a:t>
-            </a:r>
-            <a:r>
-              <a:rPr lang="en-US" sz="1600" dirty="0" err="1" smtClean="0">
-                <a:latin typeface="Hack"/>
-              </a:rPr>
-              <a:t>dat</a:t>
-            </a:r>
-            <a:r>
-              <a:rPr lang="en-US" sz="1600" dirty="0" smtClean="0">
-                <a:latin typeface="Hack"/>
-              </a:rPr>
-              <a:t>)</a:t>
-            </a:r>
-          </a:p>
-          <a:p>
-            <a:endParaRPr lang="en-US" sz="1600" dirty="0" smtClean="0">
-              <a:latin typeface="Hack"/>
-            </a:endParaRPr>
-          </a:p>
-          <a:p>
-            <a:r>
-              <a:rPr lang="en-US" sz="1600" dirty="0" err="1" smtClean="0">
-                <a:latin typeface="Hack"/>
-              </a:rPr>
-              <a:t>options(show.signif.stars</a:t>
-            </a:r>
-            <a:r>
-              <a:rPr lang="en-US" sz="1600" dirty="0" smtClean="0">
-                <a:latin typeface="Hack"/>
-              </a:rPr>
-              <a:t>=FALSE)</a:t>
-            </a:r>
-          </a:p>
-          <a:p>
-            <a:endParaRPr lang="en-US" sz="1600" dirty="0" smtClean="0">
-              <a:latin typeface="Hack"/>
-            </a:endParaRPr>
-          </a:p>
-          <a:p>
-            <a:r>
-              <a:rPr lang="en-US" sz="1600" dirty="0" err="1" smtClean="0">
-                <a:latin typeface="Hack"/>
-              </a:rPr>
-              <a:t>summary(mod</a:t>
-            </a:r>
-            <a:r>
-              <a:rPr lang="en-US" sz="1600" dirty="0" smtClean="0">
-                <a:latin typeface="Hack"/>
-              </a:rPr>
-              <a:t>)  </a:t>
-            </a:r>
-          </a:p>
-          <a:p>
-            <a:endParaRPr lang="en-US" sz="1600" dirty="0" smtClean="0">
-              <a:latin typeface="Hack"/>
-            </a:endParaRPr>
-          </a:p>
-          <a:p>
-            <a:r>
-              <a:rPr lang="en-US" sz="1600" dirty="0" err="1" smtClean="0">
-                <a:latin typeface="Hack"/>
-              </a:rPr>
-              <a:t>Df</a:t>
-            </a:r>
-            <a:r>
-              <a:rPr lang="en-US" sz="1600" dirty="0" smtClean="0">
-                <a:latin typeface="Hack"/>
-              </a:rPr>
-              <a:t> Sum Sq Mean Sq F value   Pr(&gt;F)</a:t>
-            </a:r>
-          </a:p>
-          <a:p>
-            <a:r>
-              <a:rPr lang="en-US" sz="1600" dirty="0" smtClean="0">
-                <a:latin typeface="Hack"/>
-              </a:rPr>
-              <a:t>additive     2   1948     974   0.793    0.465</a:t>
-            </a:r>
-          </a:p>
-          <a:p>
-            <a:r>
-              <a:rPr lang="en-US" sz="1600" dirty="0" smtClean="0">
-                <a:latin typeface="Hack"/>
-              </a:rPr>
-              <a:t>power        2 342184  171092 139.311 3.22e-13</a:t>
-            </a:r>
-          </a:p>
-          <a:p>
-            <a:r>
-              <a:rPr lang="en-US" sz="1600" dirty="0" smtClean="0">
-                <a:latin typeface="Hack"/>
-              </a:rPr>
-              <a:t>Residuals   22  27019    1228</a:t>
-            </a:r>
-            <a:endParaRPr lang="en-US" sz="1600" dirty="0">
-              <a:latin typeface="Hack"/>
-            </a:endParaRPr>
-          </a:p>
-        </p:txBody>
-      </p:sp>
-    </p:spTree>
-  </p:cSld>
-  <p:clrMapOvr>
-    <a:masterClrMapping/>
-  </p:clrMapOvr>
-</p:sld>
-</file>
-
-<file path=ppt/slides/slide8.xml><?xml version="1.0" encoding="utf-8"?>
+<file path=ppt/slides/slide5.xml><?xml version="1.0" encoding="utf-8"?>
 <p:sld xmlns:a="http://schemas.openxmlformats.org/drawingml/2006/main" xmlns:r="http://schemas.openxmlformats.org/officeDocument/2006/relationships" xmlns:mc="http://schemas.openxmlformats.org/markup-compatibility/2006" xmlns:mv="urn:schemas-microsoft-com:mac:vml" xmlns:p="http://schemas.openxmlformats.org/presentationml/2006/main" mc:Ignorable="mv" mc:PreserveAttributes="mv:*">
   <p:cSld>
     <p:spTree>
@@ -4154,7 +3813,7 @@
 </p:sld>
 </file>
 
-<file path=ppt/slides/slide9.xml><?xml version="1.0" encoding="utf-8"?>
+<file path=ppt/slides/slide6.xml><?xml version="1.0" encoding="utf-8"?>
 <p:sld xmlns:a="http://schemas.openxmlformats.org/drawingml/2006/main" xmlns:r="http://schemas.openxmlformats.org/officeDocument/2006/relationships" xmlns:mc="http://schemas.openxmlformats.org/markup-compatibility/2006" xmlns:mv="urn:schemas-microsoft-com:mac:vml" xmlns:p="http://schemas.openxmlformats.org/presentationml/2006/main" mc:Ignorable="mv" mc:PreserveAttributes="mv:*">
   <p:cSld>
     <p:spTree>
@@ -4195,6 +3854,301 @@
           </a:prstGeom>
         </p:spPr>
       </p:pic>
+    </p:spTree>
+  </p:cSld>
+  <p:clrMapOvr>
+    <a:masterClrMapping/>
+  </p:clrMapOvr>
+</p:sld>
+</file>
+
+<file path=ppt/slides/slide7.xml><?xml version="1.0" encoding="utf-8"?>
+<p:sld xmlns:a="http://schemas.openxmlformats.org/drawingml/2006/main" xmlns:r="http://schemas.openxmlformats.org/officeDocument/2006/relationships" xmlns:mc="http://schemas.openxmlformats.org/markup-compatibility/2006" xmlns:mv="urn:schemas-microsoft-com:mac:vml" xmlns:p="http://schemas.openxmlformats.org/presentationml/2006/main" mc:Ignorable="mv" mc:PreserveAttributes="mv:*">
+  <p:cSld>
+    <p:spTree>
+      <p:nvGrpSpPr>
+        <p:cNvPr id="1" name=""/>
+        <p:cNvGrpSpPr/>
+        <p:nvPr/>
+      </p:nvGrpSpPr>
+      <p:grpSpPr>
+        <a:xfrm>
+          <a:off x="0" y="0"/>
+          <a:ext cx="0" cy="0"/>
+          <a:chOff x="0" y="0"/>
+          <a:chExt cx="0" cy="0"/>
+        </a:xfrm>
+      </p:grpSpPr>
+      <p:sp>
+        <p:nvSpPr>
+          <p:cNvPr id="2" name="Title 1"/>
+          <p:cNvSpPr>
+            <a:spLocks noGrp="1"/>
+          </p:cNvSpPr>
+          <p:nvPr>
+            <p:ph type="title"/>
+          </p:nvPr>
+        </p:nvSpPr>
+        <p:spPr/>
+        <p:txBody>
+          <a:bodyPr/>
+          <a:lstStyle/>
+          <a:p>
+            <a:r>
+              <a:rPr lang="en-US" dirty="0" smtClean="0"/>
+              <a:t>Additives</a:t>
+            </a:r>
+            <a:endParaRPr lang="en-US" dirty="0"/>
+          </a:p>
+        </p:txBody>
+      </p:sp>
+      <p:sp>
+        <p:nvSpPr>
+          <p:cNvPr id="3" name="Content Placeholder 2"/>
+          <p:cNvSpPr>
+            <a:spLocks noGrp="1"/>
+          </p:cNvSpPr>
+          <p:nvPr>
+            <p:ph idx="1"/>
+          </p:nvPr>
+        </p:nvSpPr>
+        <p:spPr/>
+        <p:txBody>
+          <a:bodyPr/>
+          <a:lstStyle/>
+          <a:p>
+            <a:r>
+              <a:rPr lang="en-US" dirty="0" smtClean="0"/>
+              <a:t>Expectation was that no additive would have more </a:t>
+            </a:r>
+            <a:r>
+              <a:rPr lang="en-US" dirty="0" err="1" smtClean="0"/>
+              <a:t>unpopped</a:t>
+            </a:r>
+            <a:r>
+              <a:rPr lang="en-US" dirty="0" smtClean="0"/>
+              <a:t> kernels, but this was wrong</a:t>
+            </a:r>
+          </a:p>
+          <a:p>
+            <a:r>
+              <a:rPr lang="en-US" dirty="0" smtClean="0"/>
+              <a:t>No significant variation</a:t>
+            </a:r>
+            <a:endParaRPr lang="en-US" dirty="0"/>
+          </a:p>
+        </p:txBody>
+      </p:sp>
+    </p:spTree>
+  </p:cSld>
+  <p:clrMapOvr>
+    <a:masterClrMapping/>
+  </p:clrMapOvr>
+</p:sld>
+</file>
+
+<file path=ppt/slides/slide8.xml><?xml version="1.0" encoding="utf-8"?>
+<p:sld xmlns:a="http://schemas.openxmlformats.org/drawingml/2006/main" xmlns:r="http://schemas.openxmlformats.org/officeDocument/2006/relationships" xmlns:mc="http://schemas.openxmlformats.org/markup-compatibility/2006" xmlns:mv="urn:schemas-microsoft-com:mac:vml" xmlns:p="http://schemas.openxmlformats.org/presentationml/2006/main" mc:Ignorable="mv" mc:PreserveAttributes="mv:*">
+  <p:cSld>
+    <p:spTree>
+      <p:nvGrpSpPr>
+        <p:cNvPr id="1" name=""/>
+        <p:cNvGrpSpPr/>
+        <p:nvPr/>
+      </p:nvGrpSpPr>
+      <p:grpSpPr>
+        <a:xfrm>
+          <a:off x="0" y="0"/>
+          <a:ext cx="0" cy="0"/>
+          <a:chOff x="0" y="0"/>
+          <a:chExt cx="0" cy="0"/>
+        </a:xfrm>
+      </p:grpSpPr>
+      <p:sp>
+        <p:nvSpPr>
+          <p:cNvPr id="2" name="Title 1"/>
+          <p:cNvSpPr>
+            <a:spLocks noGrp="1"/>
+          </p:cNvSpPr>
+          <p:nvPr>
+            <p:ph type="title"/>
+          </p:nvPr>
+        </p:nvSpPr>
+        <p:spPr/>
+        <p:txBody>
+          <a:bodyPr/>
+          <a:lstStyle/>
+          <a:p>
+            <a:r>
+              <a:rPr lang="en-US" dirty="0" smtClean="0"/>
+              <a:t>Microwaves/Power Factor</a:t>
+            </a:r>
+            <a:endParaRPr lang="en-US" dirty="0"/>
+          </a:p>
+        </p:txBody>
+      </p:sp>
+      <p:sp>
+        <p:nvSpPr>
+          <p:cNvPr id="3" name="Content Placeholder 2"/>
+          <p:cNvSpPr>
+            <a:spLocks noGrp="1"/>
+          </p:cNvSpPr>
+          <p:nvPr>
+            <p:ph idx="1"/>
+          </p:nvPr>
+        </p:nvSpPr>
+        <p:spPr/>
+        <p:txBody>
+          <a:bodyPr/>
+          <a:lstStyle/>
+          <a:p>
+            <a:r>
+              <a:rPr lang="en-US" dirty="0" smtClean="0"/>
+              <a:t>1200W:</a:t>
+            </a:r>
+            <a:r>
+              <a:rPr lang="en-US" dirty="0" smtClean="0"/>
+              <a:t> ~1 </a:t>
+            </a:r>
+            <a:r>
+              <a:rPr lang="en-US" dirty="0" err="1" smtClean="0"/>
+              <a:t>yo</a:t>
+            </a:r>
+            <a:r>
+              <a:rPr lang="en-US" dirty="0" smtClean="0"/>
+              <a:t>, Panasonic, best (Ken’s) </a:t>
+            </a:r>
+            <a:endParaRPr lang="en-US" dirty="0" smtClean="0"/>
+          </a:p>
+          <a:p>
+            <a:r>
+              <a:rPr lang="en-US" dirty="0" smtClean="0"/>
+              <a:t>1000W: </a:t>
+            </a:r>
+            <a:r>
+              <a:rPr lang="en-US" dirty="0" smtClean="0"/>
+              <a:t>~1 </a:t>
+            </a:r>
+            <a:r>
+              <a:rPr lang="en-US" dirty="0" err="1" smtClean="0"/>
+              <a:t>yo</a:t>
+            </a:r>
+            <a:r>
+              <a:rPr lang="en-US" dirty="0" smtClean="0"/>
+              <a:t>, worse (Jimmy’s sister)</a:t>
+            </a:r>
+          </a:p>
+          <a:p>
+            <a:r>
+              <a:rPr lang="en-US" dirty="0" smtClean="0"/>
+              <a:t>900W: ~2 </a:t>
+            </a:r>
+            <a:r>
+              <a:rPr lang="en-US" dirty="0" err="1" smtClean="0"/>
+              <a:t>yo</a:t>
+            </a:r>
+            <a:r>
+              <a:rPr lang="en-US" dirty="0" smtClean="0"/>
+              <a:t>, Westgate, middle (Jimmy’s)</a:t>
+            </a:r>
+            <a:endParaRPr lang="en-US" dirty="0" smtClean="0"/>
+          </a:p>
+          <a:p>
+            <a:r>
+              <a:rPr lang="en-US" dirty="0" smtClean="0"/>
+              <a:t>All ovens used a </a:t>
+            </a:r>
+            <a:r>
+              <a:rPr lang="en-US" dirty="0" smtClean="0"/>
+              <a:t>turntable</a:t>
+            </a:r>
+          </a:p>
+          <a:p>
+            <a:r>
+              <a:rPr lang="en-US" dirty="0" smtClean="0"/>
+              <a:t>Significant variation </a:t>
+            </a:r>
+            <a:endParaRPr lang="en-US" dirty="0" smtClean="0"/>
+          </a:p>
+        </p:txBody>
+      </p:sp>
+    </p:spTree>
+  </p:cSld>
+  <p:clrMapOvr>
+    <a:masterClrMapping/>
+  </p:clrMapOvr>
+</p:sld>
+</file>
+
+<file path=ppt/slides/slide9.xml><?xml version="1.0" encoding="utf-8"?>
+<p:sld xmlns:a="http://schemas.openxmlformats.org/drawingml/2006/main" xmlns:r="http://schemas.openxmlformats.org/officeDocument/2006/relationships" xmlns:mc="http://schemas.openxmlformats.org/markup-compatibility/2006" xmlns:mv="urn:schemas-microsoft-com:mac:vml" xmlns:p="http://schemas.openxmlformats.org/presentationml/2006/main" mc:Ignorable="mv" mc:PreserveAttributes="mv:*">
+  <p:cSld>
+    <p:spTree>
+      <p:nvGrpSpPr>
+        <p:cNvPr id="1" name=""/>
+        <p:cNvGrpSpPr/>
+        <p:nvPr/>
+      </p:nvGrpSpPr>
+      <p:grpSpPr>
+        <a:xfrm>
+          <a:off x="0" y="0"/>
+          <a:ext cx="0" cy="0"/>
+          <a:chOff x="0" y="0"/>
+          <a:chExt cx="0" cy="0"/>
+        </a:xfrm>
+      </p:grpSpPr>
+      <p:sp>
+        <p:nvSpPr>
+          <p:cNvPr id="2" name="Title 1"/>
+          <p:cNvSpPr>
+            <a:spLocks noGrp="1"/>
+          </p:cNvSpPr>
+          <p:nvPr>
+            <p:ph type="title"/>
+          </p:nvPr>
+        </p:nvSpPr>
+        <p:spPr/>
+        <p:txBody>
+          <a:bodyPr/>
+          <a:lstStyle/>
+          <a:p>
+            <a:r>
+              <a:rPr lang="en-US" dirty="0" smtClean="0"/>
+              <a:t>Potential Errors</a:t>
+            </a:r>
+            <a:endParaRPr lang="en-US" dirty="0"/>
+          </a:p>
+        </p:txBody>
+      </p:sp>
+      <p:sp>
+        <p:nvSpPr>
+          <p:cNvPr id="3" name="Content Placeholder 2"/>
+          <p:cNvSpPr>
+            <a:spLocks noGrp="1"/>
+          </p:cNvSpPr>
+          <p:nvPr>
+            <p:ph idx="1"/>
+          </p:nvPr>
+        </p:nvSpPr>
+        <p:spPr/>
+        <p:txBody>
+          <a:bodyPr/>
+          <a:lstStyle/>
+          <a:p>
+            <a:r>
+              <a:rPr lang="en-US" dirty="0" smtClean="0"/>
+              <a:t>Differences in ¼ cup ~ 400 kernels</a:t>
+            </a:r>
+          </a:p>
+          <a:p>
+            <a:r>
+              <a:rPr lang="en-US" dirty="0" smtClean="0"/>
+              <a:t>Do older ovens work properly/can we trust wattage?</a:t>
+            </a:r>
+            <a:endParaRPr lang="en-US" dirty="0"/>
+          </a:p>
+        </p:txBody>
+      </p:sp>
     </p:spTree>
   </p:cSld>
   <p:clrMapOvr>
